--- a/development/dvc.pptx
+++ b/development/dvc.pptx
@@ -3157,8 +3157,8 @@
         </p:nvSpPr>
         <p:spPr>
           <a:xfrm>
-            <a:off x="2126742" y="2183539"/>
-            <a:ext cx="100800" cy="100800"/>
+            <a:off x="2114142" y="2170939"/>
+            <a:ext cx="126000" cy="126000"/>
           </a:xfrm>
           <a:prstGeom prst="ellipse">
             <a:avLst/>
@@ -3197,7 +3197,7 @@
         </p:nvSpPr>
         <p:spPr>
           <a:xfrm>
-            <a:off x="2241042" y="2183539"/>
+            <a:off x="2228442" y="2170939"/>
             <a:ext cx="12700" cy="12700"/>
           </a:xfrm>
           <a:prstGeom prst="rect">
@@ -3228,8 +3228,8 @@
         </p:nvSpPr>
         <p:spPr>
           <a:xfrm>
-            <a:off x="3759600" y="5638084"/>
-            <a:ext cx="100800" cy="100800"/>
+            <a:off x="3747000" y="5625484"/>
+            <a:ext cx="126000" cy="126000"/>
           </a:xfrm>
           <a:prstGeom prst="ellipse">
             <a:avLst/>
@@ -3268,7 +3268,7 @@
         </p:nvSpPr>
         <p:spPr>
           <a:xfrm>
-            <a:off x="3873900" y="5638084"/>
+            <a:off x="3861300" y="5625484"/>
             <a:ext cx="12700" cy="12700"/>
           </a:xfrm>
           <a:prstGeom prst="rect">
@@ -3299,8 +3299,8 @@
         </p:nvSpPr>
         <p:spPr>
           <a:xfrm>
-            <a:off x="7025314" y="4601721"/>
-            <a:ext cx="100800" cy="100800"/>
+            <a:off x="7012714" y="4589121"/>
+            <a:ext cx="126000" cy="126000"/>
           </a:xfrm>
           <a:prstGeom prst="ellipse">
             <a:avLst/>
@@ -3339,7 +3339,7 @@
         </p:nvSpPr>
         <p:spPr>
           <a:xfrm>
-            <a:off x="7139614" y="4601721"/>
+            <a:off x="7127014" y="4589121"/>
             <a:ext cx="12700" cy="12700"/>
           </a:xfrm>
           <a:prstGeom prst="rect">
@@ -3370,8 +3370,8 @@
         </p:nvSpPr>
         <p:spPr>
           <a:xfrm>
-            <a:off x="7025314" y="4947175"/>
-            <a:ext cx="100800" cy="100800"/>
+            <a:off x="7012714" y="4934575"/>
+            <a:ext cx="126000" cy="126000"/>
           </a:xfrm>
           <a:prstGeom prst="ellipse">
             <a:avLst/>
@@ -3410,7 +3410,7 @@
         </p:nvSpPr>
         <p:spPr>
           <a:xfrm>
-            <a:off x="7139614" y="4947175"/>
+            <a:off x="7127014" y="4934575"/>
             <a:ext cx="12700" cy="12700"/>
           </a:xfrm>
           <a:prstGeom prst="rect">
@@ -3441,8 +3441,8 @@
         </p:nvSpPr>
         <p:spPr>
           <a:xfrm>
-            <a:off x="7025314" y="5292630"/>
-            <a:ext cx="100800" cy="100800"/>
+            <a:off x="7012714" y="5280030"/>
+            <a:ext cx="126000" cy="126000"/>
           </a:xfrm>
           <a:prstGeom prst="ellipse">
             <a:avLst/>
@@ -3481,7 +3481,7 @@
         </p:nvSpPr>
         <p:spPr>
           <a:xfrm>
-            <a:off x="7139614" y="5292630"/>
+            <a:off x="7127014" y="5280030"/>
             <a:ext cx="12700" cy="12700"/>
           </a:xfrm>
           <a:prstGeom prst="rect">
@@ -3512,8 +3512,8 @@
         </p:nvSpPr>
         <p:spPr>
           <a:xfrm>
-            <a:off x="6698742" y="5638084"/>
-            <a:ext cx="100800" cy="100800"/>
+            <a:off x="6686142" y="5625484"/>
+            <a:ext cx="126000" cy="126000"/>
           </a:xfrm>
           <a:prstGeom prst="ellipse">
             <a:avLst/>
@@ -3552,7 +3552,7 @@
         </p:nvSpPr>
         <p:spPr>
           <a:xfrm>
-            <a:off x="6813042" y="5638084"/>
+            <a:off x="6800442" y="5625484"/>
             <a:ext cx="12700" cy="12700"/>
           </a:xfrm>
           <a:prstGeom prst="rect">
@@ -3583,8 +3583,8 @@
         </p:nvSpPr>
         <p:spPr>
           <a:xfrm>
-            <a:off x="2779885" y="2874448"/>
-            <a:ext cx="100800" cy="100800"/>
+            <a:off x="2767285" y="2861848"/>
+            <a:ext cx="126000" cy="126000"/>
           </a:xfrm>
           <a:prstGeom prst="ellipse">
             <a:avLst/>
@@ -3623,7 +3623,7 @@
         </p:nvSpPr>
         <p:spPr>
           <a:xfrm>
-            <a:off x="2894185" y="2874448"/>
+            <a:off x="2881585" y="2861848"/>
             <a:ext cx="12700" cy="12700"/>
           </a:xfrm>
           <a:prstGeom prst="rect">
@@ -3654,8 +3654,8 @@
         </p:nvSpPr>
         <p:spPr>
           <a:xfrm>
-            <a:off x="7025314" y="5638084"/>
-            <a:ext cx="100800" cy="100800"/>
+            <a:off x="7012714" y="5625484"/>
+            <a:ext cx="126000" cy="126000"/>
           </a:xfrm>
           <a:prstGeom prst="ellipse">
             <a:avLst/>
@@ -3694,7 +3694,7 @@
         </p:nvSpPr>
         <p:spPr>
           <a:xfrm>
-            <a:off x="7139614" y="5638084"/>
+            <a:off x="7127014" y="5625484"/>
             <a:ext cx="12700" cy="12700"/>
           </a:xfrm>
           <a:prstGeom prst="rect">
@@ -3725,8 +3725,8 @@
         </p:nvSpPr>
         <p:spPr>
           <a:xfrm>
-            <a:off x="2126742" y="5638084"/>
-            <a:ext cx="100800" cy="100800"/>
+            <a:off x="2114142" y="5625484"/>
+            <a:ext cx="126000" cy="126000"/>
           </a:xfrm>
           <a:prstGeom prst="ellipse">
             <a:avLst/>
@@ -3765,7 +3765,7 @@
         </p:nvSpPr>
         <p:spPr>
           <a:xfrm>
-            <a:off x="2241042" y="5638084"/>
+            <a:off x="2228442" y="5625484"/>
             <a:ext cx="12700" cy="12700"/>
           </a:xfrm>
           <a:prstGeom prst="rect">
@@ -3796,8 +3796,8 @@
         </p:nvSpPr>
         <p:spPr>
           <a:xfrm>
-            <a:off x="6045599" y="3219903"/>
-            <a:ext cx="100800" cy="100800"/>
+            <a:off x="6032999" y="3207303"/>
+            <a:ext cx="126000" cy="126000"/>
           </a:xfrm>
           <a:prstGeom prst="ellipse">
             <a:avLst/>
@@ -3836,7 +3836,7 @@
         </p:nvSpPr>
         <p:spPr>
           <a:xfrm>
-            <a:off x="6159899" y="3219903"/>
+            <a:off x="6147299" y="3207303"/>
             <a:ext cx="12700" cy="12700"/>
           </a:xfrm>
           <a:prstGeom prst="rect">
@@ -3867,8 +3867,8 @@
         </p:nvSpPr>
         <p:spPr>
           <a:xfrm>
-            <a:off x="1473599" y="1838084"/>
-            <a:ext cx="100800" cy="100800"/>
+            <a:off x="1460999" y="1825484"/>
+            <a:ext cx="126000" cy="126000"/>
           </a:xfrm>
           <a:prstGeom prst="ellipse">
             <a:avLst/>
@@ -3907,7 +3907,7 @@
         </p:nvSpPr>
         <p:spPr>
           <a:xfrm>
-            <a:off x="1587899" y="1838084"/>
+            <a:off x="1575299" y="1825484"/>
             <a:ext cx="12700" cy="12700"/>
           </a:xfrm>
           <a:prstGeom prst="rect">
@@ -3938,8 +3938,8 @@
         </p:nvSpPr>
         <p:spPr>
           <a:xfrm>
-            <a:off x="3759600" y="2183539"/>
-            <a:ext cx="100800" cy="100800"/>
+            <a:off x="3747000" y="2170939"/>
+            <a:ext cx="126000" cy="126000"/>
           </a:xfrm>
           <a:prstGeom prst="ellipse">
             <a:avLst/>
@@ -3978,7 +3978,7 @@
         </p:nvSpPr>
         <p:spPr>
           <a:xfrm>
-            <a:off x="3873900" y="2183539"/>
+            <a:off x="3861300" y="2170939"/>
             <a:ext cx="12700" cy="12700"/>
           </a:xfrm>
           <a:prstGeom prst="rect">
@@ -4009,8 +4009,8 @@
         </p:nvSpPr>
         <p:spPr>
           <a:xfrm>
-            <a:off x="4086171" y="2528993"/>
-            <a:ext cx="100800" cy="100800"/>
+            <a:off x="4073571" y="2516393"/>
+            <a:ext cx="126000" cy="126000"/>
           </a:xfrm>
           <a:prstGeom prst="ellipse">
             <a:avLst/>
@@ -4049,7 +4049,7 @@
         </p:nvSpPr>
         <p:spPr>
           <a:xfrm>
-            <a:off x="4200471" y="2528993"/>
+            <a:off x="4187871" y="2516393"/>
             <a:ext cx="12700" cy="12700"/>
           </a:xfrm>
           <a:prstGeom prst="rect">
@@ -4080,8 +4080,8 @@
         </p:nvSpPr>
         <p:spPr>
           <a:xfrm>
-            <a:off x="1473599" y="1492630"/>
-            <a:ext cx="100800" cy="100800"/>
+            <a:off x="1460999" y="1480030"/>
+            <a:ext cx="126000" cy="126000"/>
           </a:xfrm>
           <a:prstGeom prst="ellipse">
             <a:avLst/>
@@ -4120,7 +4120,7 @@
         </p:nvSpPr>
         <p:spPr>
           <a:xfrm>
-            <a:off x="1587899" y="1492630"/>
+            <a:off x="1575299" y="1480030"/>
             <a:ext cx="12700" cy="12700"/>
           </a:xfrm>
           <a:prstGeom prst="rect">
@@ -4151,8 +4151,8 @@
         </p:nvSpPr>
         <p:spPr>
           <a:xfrm>
-            <a:off x="1147028" y="1838084"/>
-            <a:ext cx="100800" cy="100800"/>
+            <a:off x="1134428" y="1825484"/>
+            <a:ext cx="126000" cy="126000"/>
           </a:xfrm>
           <a:prstGeom prst="ellipse">
             <a:avLst/>
@@ -4191,7 +4191,7 @@
         </p:nvSpPr>
         <p:spPr>
           <a:xfrm>
-            <a:off x="1261328" y="1838084"/>
+            <a:off x="1248728" y="1825484"/>
             <a:ext cx="12700" cy="12700"/>
           </a:xfrm>
           <a:prstGeom prst="rect">
@@ -4222,8 +4222,8 @@
         </p:nvSpPr>
         <p:spPr>
           <a:xfrm>
-            <a:off x="1800171" y="3565357"/>
-            <a:ext cx="100800" cy="100800"/>
+            <a:off x="1787571" y="3552757"/>
+            <a:ext cx="126000" cy="126000"/>
           </a:xfrm>
           <a:prstGeom prst="ellipse">
             <a:avLst/>
@@ -4262,7 +4262,7 @@
         </p:nvSpPr>
         <p:spPr>
           <a:xfrm>
-            <a:off x="1914471" y="3565357"/>
+            <a:off x="1901871" y="3552757"/>
             <a:ext cx="12700" cy="12700"/>
           </a:xfrm>
           <a:prstGeom prst="rect">
@@ -4293,8 +4293,8 @@
         </p:nvSpPr>
         <p:spPr>
           <a:xfrm>
-            <a:off x="1800171" y="5638084"/>
-            <a:ext cx="100800" cy="100800"/>
+            <a:off x="1787571" y="5625484"/>
+            <a:ext cx="126000" cy="126000"/>
           </a:xfrm>
           <a:prstGeom prst="ellipse">
             <a:avLst/>
@@ -4333,7 +4333,7 @@
         </p:nvSpPr>
         <p:spPr>
           <a:xfrm>
-            <a:off x="1914471" y="5638084"/>
+            <a:off x="1901871" y="5625484"/>
             <a:ext cx="12700" cy="12700"/>
           </a:xfrm>
           <a:prstGeom prst="rect">
@@ -4364,8 +4364,8 @@
         </p:nvSpPr>
         <p:spPr>
           <a:xfrm>
-            <a:off x="3433028" y="2874448"/>
-            <a:ext cx="100800" cy="100800"/>
+            <a:off x="3420428" y="2861848"/>
+            <a:ext cx="126000" cy="126000"/>
           </a:xfrm>
           <a:prstGeom prst="ellipse">
             <a:avLst/>
@@ -4404,7 +4404,7 @@
         </p:nvSpPr>
         <p:spPr>
           <a:xfrm>
-            <a:off x="3547328" y="2874448"/>
+            <a:off x="3534728" y="2861848"/>
             <a:ext cx="12700" cy="12700"/>
           </a:xfrm>
           <a:prstGeom prst="rect">
@@ -4435,8 +4435,8 @@
         </p:nvSpPr>
         <p:spPr>
           <a:xfrm>
-            <a:off x="5065885" y="1838084"/>
-            <a:ext cx="100800" cy="100800"/>
+            <a:off x="5053285" y="1825484"/>
+            <a:ext cx="126000" cy="126000"/>
           </a:xfrm>
           <a:prstGeom prst="ellipse">
             <a:avLst/>
@@ -4475,7 +4475,7 @@
         </p:nvSpPr>
         <p:spPr>
           <a:xfrm>
-            <a:off x="5180185" y="1838084"/>
+            <a:off x="5167585" y="1825484"/>
             <a:ext cx="12700" cy="12700"/>
           </a:xfrm>
           <a:prstGeom prst="rect">
@@ -4506,8 +4506,8 @@
         </p:nvSpPr>
         <p:spPr>
           <a:xfrm>
-            <a:off x="6045599" y="3565357"/>
-            <a:ext cx="100800" cy="100800"/>
+            <a:off x="6032999" y="3552757"/>
+            <a:ext cx="126000" cy="126000"/>
           </a:xfrm>
           <a:prstGeom prst="ellipse">
             <a:avLst/>
@@ -4546,7 +4546,7 @@
         </p:nvSpPr>
         <p:spPr>
           <a:xfrm>
-            <a:off x="6159899" y="3565357"/>
+            <a:off x="6147299" y="3552757"/>
             <a:ext cx="12700" cy="12700"/>
           </a:xfrm>
           <a:prstGeom prst="rect">
@@ -4577,8 +4577,8 @@
         </p:nvSpPr>
         <p:spPr>
           <a:xfrm>
-            <a:off x="1800171" y="2874448"/>
-            <a:ext cx="100800" cy="100800"/>
+            <a:off x="1787571" y="2861848"/>
+            <a:ext cx="126000" cy="126000"/>
           </a:xfrm>
           <a:prstGeom prst="ellipse">
             <a:avLst/>
@@ -4617,7 +4617,7 @@
         </p:nvSpPr>
         <p:spPr>
           <a:xfrm>
-            <a:off x="1914471" y="2874448"/>
+            <a:off x="1901871" y="2861848"/>
             <a:ext cx="12700" cy="12700"/>
           </a:xfrm>
           <a:prstGeom prst="rect">
@@ -4648,8 +4648,8 @@
         </p:nvSpPr>
         <p:spPr>
           <a:xfrm>
-            <a:off x="3759600" y="1838084"/>
-            <a:ext cx="100800" cy="100800"/>
+            <a:off x="3747000" y="1825484"/>
+            <a:ext cx="126000" cy="126000"/>
           </a:xfrm>
           <a:prstGeom prst="ellipse">
             <a:avLst/>
@@ -4688,7 +4688,7 @@
         </p:nvSpPr>
         <p:spPr>
           <a:xfrm>
-            <a:off x="3873900" y="1838084"/>
+            <a:off x="3861300" y="1825484"/>
             <a:ext cx="12700" cy="12700"/>
           </a:xfrm>
           <a:prstGeom prst="rect">
@@ -4719,8 +4719,8 @@
         </p:nvSpPr>
         <p:spPr>
           <a:xfrm>
-            <a:off x="4086171" y="2183539"/>
-            <a:ext cx="100800" cy="100800"/>
+            <a:off x="4073571" y="2170939"/>
+            <a:ext cx="126000" cy="126000"/>
           </a:xfrm>
           <a:prstGeom prst="ellipse">
             <a:avLst/>
@@ -4759,7 +4759,7 @@
         </p:nvSpPr>
         <p:spPr>
           <a:xfrm>
-            <a:off x="4200471" y="2183539"/>
+            <a:off x="4187871" y="2170939"/>
             <a:ext cx="12700" cy="12700"/>
           </a:xfrm>
           <a:prstGeom prst="rect">
@@ -4790,8 +4790,8 @@
         </p:nvSpPr>
         <p:spPr>
           <a:xfrm>
-            <a:off x="3759600" y="2874448"/>
-            <a:ext cx="100800" cy="100800"/>
+            <a:off x="3747000" y="2861848"/>
+            <a:ext cx="126000" cy="126000"/>
           </a:xfrm>
           <a:prstGeom prst="ellipse">
             <a:avLst/>
@@ -4830,7 +4830,7 @@
         </p:nvSpPr>
         <p:spPr>
           <a:xfrm>
-            <a:off x="3873900" y="2874448"/>
+            <a:off x="3861300" y="2861848"/>
             <a:ext cx="12700" cy="12700"/>
           </a:xfrm>
           <a:prstGeom prst="rect">
@@ -4861,8 +4861,8 @@
         </p:nvSpPr>
         <p:spPr>
           <a:xfrm>
-            <a:off x="3433028" y="1492630"/>
-            <a:ext cx="100800" cy="100800"/>
+            <a:off x="3420428" y="1480030"/>
+            <a:ext cx="126000" cy="126000"/>
           </a:xfrm>
           <a:prstGeom prst="ellipse">
             <a:avLst/>
@@ -4901,7 +4901,7 @@
         </p:nvSpPr>
         <p:spPr>
           <a:xfrm>
-            <a:off x="3547328" y="1492630"/>
+            <a:off x="3534728" y="1480030"/>
             <a:ext cx="12700" cy="12700"/>
           </a:xfrm>
           <a:prstGeom prst="rect">
@@ -4932,8 +4932,8 @@
         </p:nvSpPr>
         <p:spPr>
           <a:xfrm>
-            <a:off x="2779885" y="1492630"/>
-            <a:ext cx="100800" cy="100800"/>
+            <a:off x="2767285" y="1480030"/>
+            <a:ext cx="126000" cy="126000"/>
           </a:xfrm>
           <a:prstGeom prst="ellipse">
             <a:avLst/>
@@ -4972,7 +4972,7 @@
         </p:nvSpPr>
         <p:spPr>
           <a:xfrm>
-            <a:off x="2894185" y="1492630"/>
+            <a:off x="2881585" y="1480030"/>
             <a:ext cx="12700" cy="12700"/>
           </a:xfrm>
           <a:prstGeom prst="rect">
@@ -5003,8 +5003,8 @@
         </p:nvSpPr>
         <p:spPr>
           <a:xfrm>
-            <a:off x="3759600" y="3219903"/>
-            <a:ext cx="100800" cy="100800"/>
+            <a:off x="3747000" y="3207303"/>
+            <a:ext cx="126000" cy="126000"/>
           </a:xfrm>
           <a:prstGeom prst="ellipse">
             <a:avLst/>
@@ -5043,7 +5043,7 @@
         </p:nvSpPr>
         <p:spPr>
           <a:xfrm>
-            <a:off x="3873900" y="3219903"/>
+            <a:off x="3861300" y="3207303"/>
             <a:ext cx="12700" cy="12700"/>
           </a:xfrm>
           <a:prstGeom prst="rect">
@@ -5074,8 +5074,8 @@
         </p:nvSpPr>
         <p:spPr>
           <a:xfrm>
-            <a:off x="4086171" y="3565357"/>
-            <a:ext cx="100800" cy="100800"/>
+            <a:off x="4073571" y="3552757"/>
+            <a:ext cx="126000" cy="126000"/>
           </a:xfrm>
           <a:prstGeom prst="ellipse">
             <a:avLst/>
@@ -5114,7 +5114,7 @@
         </p:nvSpPr>
         <p:spPr>
           <a:xfrm>
-            <a:off x="4200471" y="3565357"/>
+            <a:off x="4187871" y="3552757"/>
             <a:ext cx="12700" cy="12700"/>
           </a:xfrm>
           <a:prstGeom prst="rect">
@@ -5145,8 +5145,8 @@
         </p:nvSpPr>
         <p:spPr>
           <a:xfrm>
-            <a:off x="1473599" y="2874448"/>
-            <a:ext cx="100800" cy="100800"/>
+            <a:off x="1460999" y="2861848"/>
+            <a:ext cx="126000" cy="126000"/>
           </a:xfrm>
           <a:prstGeom prst="ellipse">
             <a:avLst/>
@@ -5185,7 +5185,7 @@
         </p:nvSpPr>
         <p:spPr>
           <a:xfrm>
-            <a:off x="1587899" y="2874448"/>
+            <a:off x="1575299" y="2861848"/>
             <a:ext cx="12700" cy="12700"/>
           </a:xfrm>
           <a:prstGeom prst="rect">
@@ -5216,8 +5216,8 @@
         </p:nvSpPr>
         <p:spPr>
           <a:xfrm>
-            <a:off x="1147028" y="2874448"/>
-            <a:ext cx="100800" cy="100800"/>
+            <a:off x="1134428" y="2861848"/>
+            <a:ext cx="126000" cy="126000"/>
           </a:xfrm>
           <a:prstGeom prst="ellipse">
             <a:avLst/>
@@ -5256,7 +5256,7 @@
         </p:nvSpPr>
         <p:spPr>
           <a:xfrm>
-            <a:off x="1261328" y="2874448"/>
+            <a:off x="1248728" y="2861848"/>
             <a:ext cx="12700" cy="12700"/>
           </a:xfrm>
           <a:prstGeom prst="rect">
@@ -5287,8 +5287,8 @@
         </p:nvSpPr>
         <p:spPr>
           <a:xfrm>
-            <a:off x="3106457" y="2183539"/>
-            <a:ext cx="100800" cy="100800"/>
+            <a:off x="3093857" y="2170939"/>
+            <a:ext cx="126000" cy="126000"/>
           </a:xfrm>
           <a:prstGeom prst="ellipse">
             <a:avLst/>
@@ -5327,7 +5327,7 @@
         </p:nvSpPr>
         <p:spPr>
           <a:xfrm>
-            <a:off x="3220757" y="2183539"/>
+            <a:off x="3208157" y="2170939"/>
             <a:ext cx="12700" cy="12700"/>
           </a:xfrm>
           <a:prstGeom prst="rect">
@@ -5358,8 +5358,8 @@
         </p:nvSpPr>
         <p:spPr>
           <a:xfrm>
-            <a:off x="2779885" y="4256266"/>
-            <a:ext cx="100800" cy="100800"/>
+            <a:off x="2767285" y="4243666"/>
+            <a:ext cx="126000" cy="126000"/>
           </a:xfrm>
           <a:prstGeom prst="ellipse">
             <a:avLst/>
@@ -5398,7 +5398,7 @@
         </p:nvSpPr>
         <p:spPr>
           <a:xfrm>
-            <a:off x="2894185" y="4256266"/>
+            <a:off x="2881585" y="4243666"/>
             <a:ext cx="12700" cy="12700"/>
           </a:xfrm>
           <a:prstGeom prst="rect">
@@ -5429,8 +5429,8 @@
         </p:nvSpPr>
         <p:spPr>
           <a:xfrm>
-            <a:off x="6372171" y="2874448"/>
-            <a:ext cx="100800" cy="100800"/>
+            <a:off x="6359571" y="2861848"/>
+            <a:ext cx="126000" cy="126000"/>
           </a:xfrm>
           <a:prstGeom prst="ellipse">
             <a:avLst/>
@@ -5469,7 +5469,7 @@
         </p:nvSpPr>
         <p:spPr>
           <a:xfrm>
-            <a:off x="6486471" y="2874448"/>
+            <a:off x="6473871" y="2861848"/>
             <a:ext cx="12700" cy="12700"/>
           </a:xfrm>
           <a:prstGeom prst="rect">
@@ -5500,8 +5500,8 @@
         </p:nvSpPr>
         <p:spPr>
           <a:xfrm>
-            <a:off x="2126742" y="1838084"/>
-            <a:ext cx="100800" cy="100800"/>
+            <a:off x="2114142" y="1825484"/>
+            <a:ext cx="126000" cy="126000"/>
           </a:xfrm>
           <a:prstGeom prst="ellipse">
             <a:avLst/>
@@ -5540,7 +5540,7 @@
         </p:nvSpPr>
         <p:spPr>
           <a:xfrm>
-            <a:off x="2241042" y="1838084"/>
+            <a:off x="2228442" y="1825484"/>
             <a:ext cx="12700" cy="12700"/>
           </a:xfrm>
           <a:prstGeom prst="rect">
@@ -5571,8 +5571,8 @@
         </p:nvSpPr>
         <p:spPr>
           <a:xfrm>
-            <a:off x="5719028" y="4601721"/>
-            <a:ext cx="100800" cy="100800"/>
+            <a:off x="5706428" y="4589121"/>
+            <a:ext cx="126000" cy="126000"/>
           </a:xfrm>
           <a:prstGeom prst="ellipse">
             <a:avLst/>
@@ -5611,7 +5611,7 @@
         </p:nvSpPr>
         <p:spPr>
           <a:xfrm>
-            <a:off x="5833328" y="4601721"/>
+            <a:off x="5820728" y="4589121"/>
             <a:ext cx="12700" cy="12700"/>
           </a:xfrm>
           <a:prstGeom prst="rect">
@@ -5642,8 +5642,8 @@
         </p:nvSpPr>
         <p:spPr>
           <a:xfrm>
-            <a:off x="1800171" y="1492630"/>
-            <a:ext cx="100800" cy="100800"/>
+            <a:off x="1787571" y="1480030"/>
+            <a:ext cx="126000" cy="126000"/>
           </a:xfrm>
           <a:prstGeom prst="ellipse">
             <a:avLst/>
@@ -5682,7 +5682,7 @@
         </p:nvSpPr>
         <p:spPr>
           <a:xfrm>
-            <a:off x="1914471" y="1492630"/>
+            <a:off x="1901871" y="1480030"/>
             <a:ext cx="12700" cy="12700"/>
           </a:xfrm>
           <a:prstGeom prst="rect">
@@ -5713,8 +5713,8 @@
         </p:nvSpPr>
         <p:spPr>
           <a:xfrm>
-            <a:off x="2453314" y="2874448"/>
-            <a:ext cx="100800" cy="100800"/>
+            <a:off x="2440714" y="2861848"/>
+            <a:ext cx="126000" cy="126000"/>
           </a:xfrm>
           <a:prstGeom prst="ellipse">
             <a:avLst/>
@@ -5753,7 +5753,7 @@
         </p:nvSpPr>
         <p:spPr>
           <a:xfrm>
-            <a:off x="2567614" y="2874448"/>
+            <a:off x="2555014" y="2861848"/>
             <a:ext cx="12700" cy="12700"/>
           </a:xfrm>
           <a:prstGeom prst="rect">
@@ -5784,8 +5784,8 @@
         </p:nvSpPr>
         <p:spPr>
           <a:xfrm>
-            <a:off x="7351885" y="2528993"/>
-            <a:ext cx="100800" cy="100800"/>
+            <a:off x="7339285" y="2516393"/>
+            <a:ext cx="126000" cy="126000"/>
           </a:xfrm>
           <a:prstGeom prst="ellipse">
             <a:avLst/>
@@ -5824,7 +5824,7 @@
         </p:nvSpPr>
         <p:spPr>
           <a:xfrm>
-            <a:off x="7466185" y="2528993"/>
+            <a:off x="7453585" y="2516393"/>
             <a:ext cx="12700" cy="12700"/>
           </a:xfrm>
           <a:prstGeom prst="rect">
@@ -5855,8 +5855,8 @@
         </p:nvSpPr>
         <p:spPr>
           <a:xfrm>
-            <a:off x="3759600" y="1147175"/>
-            <a:ext cx="100800" cy="100800"/>
+            <a:off x="3747000" y="1134575"/>
+            <a:ext cx="126000" cy="126000"/>
           </a:xfrm>
           <a:prstGeom prst="ellipse">
             <a:avLst/>
@@ -5895,7 +5895,7 @@
         </p:nvSpPr>
         <p:spPr>
           <a:xfrm>
-            <a:off x="3873900" y="1147175"/>
+            <a:off x="3861300" y="1134575"/>
             <a:ext cx="12700" cy="12700"/>
           </a:xfrm>
           <a:prstGeom prst="rect">
@@ -5926,8 +5926,8 @@
         </p:nvSpPr>
         <p:spPr>
           <a:xfrm>
-            <a:off x="2126742" y="2528993"/>
-            <a:ext cx="100800" cy="100800"/>
+            <a:off x="2114142" y="2516393"/>
+            <a:ext cx="126000" cy="126000"/>
           </a:xfrm>
           <a:prstGeom prst="ellipse">
             <a:avLst/>
@@ -5966,7 +5966,7 @@
         </p:nvSpPr>
         <p:spPr>
           <a:xfrm>
-            <a:off x="2241042" y="2528993"/>
+            <a:off x="2228442" y="2516393"/>
             <a:ext cx="12700" cy="12700"/>
           </a:xfrm>
           <a:prstGeom prst="rect">
@@ -5997,8 +5997,8 @@
         </p:nvSpPr>
         <p:spPr>
           <a:xfrm>
-            <a:off x="2779885" y="2528993"/>
-            <a:ext cx="100800" cy="100800"/>
+            <a:off x="2767285" y="2516393"/>
+            <a:ext cx="126000" cy="126000"/>
           </a:xfrm>
           <a:prstGeom prst="ellipse">
             <a:avLst/>
@@ -6037,7 +6037,7 @@
         </p:nvSpPr>
         <p:spPr>
           <a:xfrm>
-            <a:off x="2894185" y="2528993"/>
+            <a:off x="2881585" y="2516393"/>
             <a:ext cx="12700" cy="12700"/>
           </a:xfrm>
           <a:prstGeom prst="rect">
@@ -6068,8 +6068,8 @@
         </p:nvSpPr>
         <p:spPr>
           <a:xfrm>
-            <a:off x="6045599" y="2874448"/>
-            <a:ext cx="100800" cy="100800"/>
+            <a:off x="6032999" y="2861848"/>
+            <a:ext cx="126000" cy="126000"/>
           </a:xfrm>
           <a:prstGeom prst="ellipse">
             <a:avLst/>
@@ -6108,7 +6108,7 @@
         </p:nvSpPr>
         <p:spPr>
           <a:xfrm>
-            <a:off x="6159899" y="2874448"/>
+            <a:off x="6147299" y="2861848"/>
             <a:ext cx="12700" cy="12700"/>
           </a:xfrm>
           <a:prstGeom prst="rect">
@@ -6139,8 +6139,8 @@
         </p:nvSpPr>
         <p:spPr>
           <a:xfrm>
-            <a:off x="3759600" y="1377478"/>
-            <a:ext cx="100800" cy="100800"/>
+            <a:off x="3747000" y="1364878"/>
+            <a:ext cx="126000" cy="126000"/>
           </a:xfrm>
           <a:prstGeom prst="ellipse">
             <a:avLst/>
@@ -6179,7 +6179,7 @@
         </p:nvSpPr>
         <p:spPr>
           <a:xfrm>
-            <a:off x="3873900" y="1377478"/>
+            <a:off x="3861300" y="1364878"/>
             <a:ext cx="12700" cy="12700"/>
           </a:xfrm>
           <a:prstGeom prst="rect">
@@ -6210,8 +6210,8 @@
         </p:nvSpPr>
         <p:spPr>
           <a:xfrm>
-            <a:off x="6698742" y="1838084"/>
-            <a:ext cx="100800" cy="100800"/>
+            <a:off x="6686142" y="1825484"/>
+            <a:ext cx="126000" cy="126000"/>
           </a:xfrm>
           <a:prstGeom prst="ellipse">
             <a:avLst/>
@@ -6250,7 +6250,7 @@
         </p:nvSpPr>
         <p:spPr>
           <a:xfrm>
-            <a:off x="6813042" y="1838084"/>
+            <a:off x="6800442" y="1825484"/>
             <a:ext cx="12700" cy="12700"/>
           </a:xfrm>
           <a:prstGeom prst="rect">
@@ -6281,8 +6281,8 @@
         </p:nvSpPr>
         <p:spPr>
           <a:xfrm>
-            <a:off x="2779885" y="2183539"/>
-            <a:ext cx="100800" cy="100800"/>
+            <a:off x="2767285" y="2170939"/>
+            <a:ext cx="126000" cy="126000"/>
           </a:xfrm>
           <a:prstGeom prst="ellipse">
             <a:avLst/>
@@ -6321,7 +6321,7 @@
         </p:nvSpPr>
         <p:spPr>
           <a:xfrm>
-            <a:off x="2894185" y="2183539"/>
+            <a:off x="2881585" y="2170939"/>
             <a:ext cx="12700" cy="12700"/>
           </a:xfrm>
           <a:prstGeom prst="rect">
@@ -6352,8 +6352,8 @@
         </p:nvSpPr>
         <p:spPr>
           <a:xfrm>
-            <a:off x="5719028" y="1838084"/>
-            <a:ext cx="100800" cy="100800"/>
+            <a:off x="5706428" y="1825484"/>
+            <a:ext cx="126000" cy="126000"/>
           </a:xfrm>
           <a:prstGeom prst="ellipse">
             <a:avLst/>
@@ -6392,7 +6392,7 @@
         </p:nvSpPr>
         <p:spPr>
           <a:xfrm>
-            <a:off x="5833328" y="1838084"/>
+            <a:off x="5820728" y="1825484"/>
             <a:ext cx="12700" cy="12700"/>
           </a:xfrm>
           <a:prstGeom prst="rect">
@@ -6423,8 +6423,8 @@
         </p:nvSpPr>
         <p:spPr>
           <a:xfrm>
-            <a:off x="4412742" y="1377478"/>
-            <a:ext cx="100800" cy="100800"/>
+            <a:off x="4400142" y="1364878"/>
+            <a:ext cx="126000" cy="126000"/>
           </a:xfrm>
           <a:prstGeom prst="ellipse">
             <a:avLst/>
@@ -6463,7 +6463,7 @@
         </p:nvSpPr>
         <p:spPr>
           <a:xfrm>
-            <a:off x="4527042" y="1377478"/>
+            <a:off x="4514442" y="1364878"/>
             <a:ext cx="12700" cy="12700"/>
           </a:xfrm>
           <a:prstGeom prst="rect">
@@ -6494,8 +6494,8 @@
         </p:nvSpPr>
         <p:spPr>
           <a:xfrm>
-            <a:off x="1800171" y="2528993"/>
-            <a:ext cx="100800" cy="100800"/>
+            <a:off x="1787571" y="2516393"/>
+            <a:ext cx="126000" cy="126000"/>
           </a:xfrm>
           <a:prstGeom prst="ellipse">
             <a:avLst/>
@@ -6534,7 +6534,7 @@
         </p:nvSpPr>
         <p:spPr>
           <a:xfrm>
-            <a:off x="1914471" y="2528993"/>
+            <a:off x="1901871" y="2516393"/>
             <a:ext cx="12700" cy="12700"/>
           </a:xfrm>
           <a:prstGeom prst="rect">
@@ -6565,8 +6565,8 @@
         </p:nvSpPr>
         <p:spPr>
           <a:xfrm>
-            <a:off x="2126742" y="5292630"/>
-            <a:ext cx="100800" cy="100800"/>
+            <a:off x="2114142" y="5280030"/>
+            <a:ext cx="126000" cy="126000"/>
           </a:xfrm>
           <a:prstGeom prst="ellipse">
             <a:avLst/>
@@ -6605,7 +6605,7 @@
         </p:nvSpPr>
         <p:spPr>
           <a:xfrm>
-            <a:off x="2241042" y="5292630"/>
+            <a:off x="2228442" y="5280030"/>
             <a:ext cx="12700" cy="12700"/>
           </a:xfrm>
           <a:prstGeom prst="rect">
@@ -6636,8 +6636,8 @@
         </p:nvSpPr>
         <p:spPr>
           <a:xfrm>
-            <a:off x="5719028" y="4256266"/>
-            <a:ext cx="100800" cy="100800"/>
+            <a:off x="5706428" y="4243666"/>
+            <a:ext cx="126000" cy="126000"/>
           </a:xfrm>
           <a:prstGeom prst="ellipse">
             <a:avLst/>
@@ -6676,7 +6676,7 @@
         </p:nvSpPr>
         <p:spPr>
           <a:xfrm>
-            <a:off x="5833328" y="4256266"/>
+            <a:off x="5820728" y="4243666"/>
             <a:ext cx="12700" cy="12700"/>
           </a:xfrm>
           <a:prstGeom prst="rect">
@@ -6707,8 +6707,8 @@
         </p:nvSpPr>
         <p:spPr>
           <a:xfrm>
-            <a:off x="6698742" y="2528993"/>
-            <a:ext cx="100800" cy="100800"/>
+            <a:off x="6686142" y="2516393"/>
+            <a:ext cx="126000" cy="126000"/>
           </a:xfrm>
           <a:prstGeom prst="ellipse">
             <a:avLst/>
@@ -6747,7 +6747,7 @@
         </p:nvSpPr>
         <p:spPr>
           <a:xfrm>
-            <a:off x="6813042" y="2528993"/>
+            <a:off x="6800442" y="2516393"/>
             <a:ext cx="12700" cy="12700"/>
           </a:xfrm>
           <a:prstGeom prst="rect">
@@ -6778,8 +6778,8 @@
         </p:nvSpPr>
         <p:spPr>
           <a:xfrm>
-            <a:off x="2779885" y="1838084"/>
-            <a:ext cx="100800" cy="100800"/>
+            <a:off x="2767285" y="1825484"/>
+            <a:ext cx="126000" cy="126000"/>
           </a:xfrm>
           <a:prstGeom prst="ellipse">
             <a:avLst/>
@@ -6818,7 +6818,7 @@
         </p:nvSpPr>
         <p:spPr>
           <a:xfrm>
-            <a:off x="2894185" y="1838084"/>
+            <a:off x="2881585" y="1825484"/>
             <a:ext cx="12700" cy="12700"/>
           </a:xfrm>
           <a:prstGeom prst="rect">
@@ -6849,8 +6849,8 @@
         </p:nvSpPr>
         <p:spPr>
           <a:xfrm>
-            <a:off x="1473599" y="1147175"/>
-            <a:ext cx="100800" cy="100800"/>
+            <a:off x="1460999" y="1134575"/>
+            <a:ext cx="126000" cy="126000"/>
           </a:xfrm>
           <a:prstGeom prst="ellipse">
             <a:avLst/>
@@ -6889,7 +6889,7 @@
         </p:nvSpPr>
         <p:spPr>
           <a:xfrm>
-            <a:off x="1587899" y="1147175"/>
+            <a:off x="1575299" y="1134575"/>
             <a:ext cx="12700" cy="12700"/>
           </a:xfrm>
           <a:prstGeom prst="rect">
@@ -6920,8 +6920,8 @@
         </p:nvSpPr>
         <p:spPr>
           <a:xfrm>
-            <a:off x="6045599" y="2528993"/>
-            <a:ext cx="100800" cy="100800"/>
+            <a:off x="6032999" y="2516393"/>
+            <a:ext cx="126000" cy="126000"/>
           </a:xfrm>
           <a:prstGeom prst="ellipse">
             <a:avLst/>
@@ -6960,7 +6960,7 @@
         </p:nvSpPr>
         <p:spPr>
           <a:xfrm>
-            <a:off x="6159899" y="2528993"/>
+            <a:off x="6147299" y="2516393"/>
             <a:ext cx="12700" cy="12700"/>
           </a:xfrm>
           <a:prstGeom prst="rect">
@@ -6991,8 +6991,8 @@
         </p:nvSpPr>
         <p:spPr>
           <a:xfrm>
-            <a:off x="6698742" y="4256266"/>
-            <a:ext cx="100800" cy="100800"/>
+            <a:off x="6686142" y="4243666"/>
+            <a:ext cx="126000" cy="126000"/>
           </a:xfrm>
           <a:prstGeom prst="ellipse">
             <a:avLst/>
@@ -7031,7 +7031,7 @@
         </p:nvSpPr>
         <p:spPr>
           <a:xfrm>
-            <a:off x="6813042" y="4256266"/>
+            <a:off x="6800442" y="4243666"/>
             <a:ext cx="12700" cy="12700"/>
           </a:xfrm>
           <a:prstGeom prst="rect">
@@ -7062,8 +7062,8 @@
         </p:nvSpPr>
         <p:spPr>
           <a:xfrm>
-            <a:off x="7025314" y="4256266"/>
-            <a:ext cx="100800" cy="100800"/>
+            <a:off x="7012714" y="4243666"/>
+            <a:ext cx="126000" cy="126000"/>
           </a:xfrm>
           <a:prstGeom prst="ellipse">
             <a:avLst/>
@@ -7102,7 +7102,7 @@
         </p:nvSpPr>
         <p:spPr>
           <a:xfrm>
-            <a:off x="7139614" y="4256266"/>
+            <a:off x="7127014" y="4243666"/>
             <a:ext cx="12700" cy="12700"/>
           </a:xfrm>
           <a:prstGeom prst="rect">
@@ -7133,8 +7133,8 @@
         </p:nvSpPr>
         <p:spPr>
           <a:xfrm>
-            <a:off x="5065885" y="1377478"/>
-            <a:ext cx="100800" cy="100800"/>
+            <a:off x="5053285" y="1364878"/>
+            <a:ext cx="126000" cy="126000"/>
           </a:xfrm>
           <a:prstGeom prst="ellipse">
             <a:avLst/>
@@ -7173,7 +7173,7 @@
         </p:nvSpPr>
         <p:spPr>
           <a:xfrm>
-            <a:off x="5180185" y="1377478"/>
+            <a:off x="5167585" y="1364878"/>
             <a:ext cx="12700" cy="12700"/>
           </a:xfrm>
           <a:prstGeom prst="rect">
@@ -7204,8 +7204,8 @@
         </p:nvSpPr>
         <p:spPr>
           <a:xfrm>
-            <a:off x="1147028" y="5292630"/>
-            <a:ext cx="100800" cy="100800"/>
+            <a:off x="1134428" y="5280030"/>
+            <a:ext cx="126000" cy="126000"/>
           </a:xfrm>
           <a:prstGeom prst="ellipse">
             <a:avLst/>
@@ -7244,7 +7244,7 @@
         </p:nvSpPr>
         <p:spPr>
           <a:xfrm>
-            <a:off x="1261328" y="5292630"/>
+            <a:off x="1248728" y="5280030"/>
             <a:ext cx="12700" cy="12700"/>
           </a:xfrm>
           <a:prstGeom prst="rect">
@@ -7275,8 +7275,8 @@
         </p:nvSpPr>
         <p:spPr>
           <a:xfrm>
-            <a:off x="1147028" y="3910812"/>
-            <a:ext cx="100800" cy="100800"/>
+            <a:off x="1134428" y="3898212"/>
+            <a:ext cx="126000" cy="126000"/>
           </a:xfrm>
           <a:prstGeom prst="ellipse">
             <a:avLst/>
@@ -7315,7 +7315,7 @@
         </p:nvSpPr>
         <p:spPr>
           <a:xfrm>
-            <a:off x="1261328" y="3910812"/>
+            <a:off x="1248728" y="3898212"/>
             <a:ext cx="12700" cy="12700"/>
           </a:xfrm>
           <a:prstGeom prst="rect">
@@ -7346,8 +7346,8 @@
         </p:nvSpPr>
         <p:spPr>
           <a:xfrm>
-            <a:off x="4412742" y="1147175"/>
-            <a:ext cx="100800" cy="100800"/>
+            <a:off x="4400142" y="1134575"/>
+            <a:ext cx="126000" cy="126000"/>
           </a:xfrm>
           <a:prstGeom prst="ellipse">
             <a:avLst/>
@@ -7386,7 +7386,7 @@
         </p:nvSpPr>
         <p:spPr>
           <a:xfrm>
-            <a:off x="4527042" y="1147175"/>
+            <a:off x="4514442" y="1134575"/>
             <a:ext cx="12700" cy="12700"/>
           </a:xfrm>
           <a:prstGeom prst="rect">
@@ -7417,8 +7417,8 @@
         </p:nvSpPr>
         <p:spPr>
           <a:xfrm>
-            <a:off x="2453314" y="5292630"/>
-            <a:ext cx="100800" cy="100800"/>
+            <a:off x="2440714" y="5280030"/>
+            <a:ext cx="126000" cy="126000"/>
           </a:xfrm>
           <a:prstGeom prst="ellipse">
             <a:avLst/>
@@ -7457,7 +7457,7 @@
         </p:nvSpPr>
         <p:spPr>
           <a:xfrm>
-            <a:off x="2567614" y="5292630"/>
+            <a:off x="2555014" y="5280030"/>
             <a:ext cx="12700" cy="12700"/>
           </a:xfrm>
           <a:prstGeom prst="rect">
@@ -7488,8 +7488,8 @@
         </p:nvSpPr>
         <p:spPr>
           <a:xfrm>
-            <a:off x="1038171" y="456266"/>
-            <a:ext cx="100800" cy="100800"/>
+            <a:off x="1025571" y="443666"/>
+            <a:ext cx="126000" cy="126000"/>
           </a:xfrm>
           <a:prstGeom prst="ellipse">
             <a:avLst/>
@@ -7528,7 +7528,7 @@
         </p:nvSpPr>
         <p:spPr>
           <a:xfrm>
-            <a:off x="1152471" y="456266"/>
+            <a:off x="1139871" y="443666"/>
             <a:ext cx="12700" cy="12700"/>
           </a:xfrm>
           <a:prstGeom prst="rect">
@@ -7559,8 +7559,8 @@
         </p:nvSpPr>
         <p:spPr>
           <a:xfrm>
-            <a:off x="2779885" y="5983539"/>
-            <a:ext cx="100800" cy="100800"/>
+            <a:off x="2767285" y="5970939"/>
+            <a:ext cx="126000" cy="126000"/>
           </a:xfrm>
           <a:prstGeom prst="ellipse">
             <a:avLst/>
@@ -7599,7 +7599,7 @@
         </p:nvSpPr>
         <p:spPr>
           <a:xfrm>
-            <a:off x="2894185" y="5983539"/>
+            <a:off x="2881585" y="5970939"/>
             <a:ext cx="12700" cy="12700"/>
           </a:xfrm>
           <a:prstGeom prst="rect">
@@ -7630,8 +7630,8 @@
         </p:nvSpPr>
         <p:spPr>
           <a:xfrm>
-            <a:off x="4739314" y="1147175"/>
-            <a:ext cx="100800" cy="100800"/>
+            <a:off x="4726714" y="1134575"/>
+            <a:ext cx="126000" cy="126000"/>
           </a:xfrm>
           <a:prstGeom prst="ellipse">
             <a:avLst/>
@@ -7670,7 +7670,7 @@
         </p:nvSpPr>
         <p:spPr>
           <a:xfrm>
-            <a:off x="4853614" y="1147175"/>
+            <a:off x="4841014" y="1134575"/>
             <a:ext cx="12700" cy="12700"/>
           </a:xfrm>
           <a:prstGeom prst="rect">
@@ -7701,8 +7701,8 @@
         </p:nvSpPr>
         <p:spPr>
           <a:xfrm>
-            <a:off x="1473599" y="801721"/>
-            <a:ext cx="100800" cy="100800"/>
+            <a:off x="1460999" y="789121"/>
+            <a:ext cx="126000" cy="126000"/>
           </a:xfrm>
           <a:prstGeom prst="ellipse">
             <a:avLst/>
@@ -7741,7 +7741,7 @@
         </p:nvSpPr>
         <p:spPr>
           <a:xfrm>
-            <a:off x="1587899" y="801721"/>
+            <a:off x="1575299" y="789121"/>
             <a:ext cx="12700" cy="12700"/>
           </a:xfrm>
           <a:prstGeom prst="rect">
@@ -7772,8 +7772,8 @@
         </p:nvSpPr>
         <p:spPr>
           <a:xfrm>
-            <a:off x="4412742" y="3910812"/>
-            <a:ext cx="100800" cy="100800"/>
+            <a:off x="4400142" y="3898212"/>
+            <a:ext cx="126000" cy="126000"/>
           </a:xfrm>
           <a:prstGeom prst="ellipse">
             <a:avLst/>
@@ -7812,7 +7812,7 @@
         </p:nvSpPr>
         <p:spPr>
           <a:xfrm>
-            <a:off x="4527042" y="3910812"/>
+            <a:off x="4514442" y="3898212"/>
             <a:ext cx="12700" cy="12700"/>
           </a:xfrm>
           <a:prstGeom prst="rect">
@@ -7843,8 +7843,8 @@
         </p:nvSpPr>
         <p:spPr>
           <a:xfrm>
-            <a:off x="6045599" y="2183539"/>
-            <a:ext cx="100800" cy="100800"/>
+            <a:off x="6032999" y="2170939"/>
+            <a:ext cx="126000" cy="126000"/>
           </a:xfrm>
           <a:prstGeom prst="ellipse">
             <a:avLst/>
@@ -7883,7 +7883,7 @@
         </p:nvSpPr>
         <p:spPr>
           <a:xfrm>
-            <a:off x="6159899" y="2183539"/>
+            <a:off x="6147299" y="2170939"/>
             <a:ext cx="12700" cy="12700"/>
           </a:xfrm>
           <a:prstGeom prst="rect">
@@ -7914,8 +7914,8 @@
         </p:nvSpPr>
         <p:spPr>
           <a:xfrm>
-            <a:off x="1800171" y="2183539"/>
-            <a:ext cx="100800" cy="100800"/>
+            <a:off x="1787571" y="2170939"/>
+            <a:ext cx="126000" cy="126000"/>
           </a:xfrm>
           <a:prstGeom prst="ellipse">
             <a:avLst/>
@@ -7954,7 +7954,7 @@
         </p:nvSpPr>
         <p:spPr>
           <a:xfrm>
-            <a:off x="1914471" y="2183539"/>
+            <a:off x="1901871" y="2170939"/>
             <a:ext cx="12700" cy="12700"/>
           </a:xfrm>
           <a:prstGeom prst="rect">
@@ -7985,8 +7985,8 @@
         </p:nvSpPr>
         <p:spPr>
           <a:xfrm>
-            <a:off x="5065885" y="3910812"/>
-            <a:ext cx="100800" cy="100800"/>
+            <a:off x="5053285" y="3898212"/>
+            <a:ext cx="126000" cy="126000"/>
           </a:xfrm>
           <a:prstGeom prst="ellipse">
             <a:avLst/>
@@ -8025,7 +8025,7 @@
         </p:nvSpPr>
         <p:spPr>
           <a:xfrm>
-            <a:off x="5180185" y="3910812"/>
+            <a:off x="5167585" y="3898212"/>
             <a:ext cx="12700" cy="12700"/>
           </a:xfrm>
           <a:prstGeom prst="rect">
@@ -8056,8 +8056,8 @@
         </p:nvSpPr>
         <p:spPr>
           <a:xfrm>
-            <a:off x="2779885" y="5292630"/>
-            <a:ext cx="100800" cy="100800"/>
+            <a:off x="2767285" y="5280030"/>
+            <a:ext cx="126000" cy="126000"/>
           </a:xfrm>
           <a:prstGeom prst="ellipse">
             <a:avLst/>
@@ -8096,7 +8096,7 @@
         </p:nvSpPr>
         <p:spPr>
           <a:xfrm>
-            <a:off x="2894185" y="5292630"/>
+            <a:off x="2881585" y="5280030"/>
             <a:ext cx="12700" cy="12700"/>
           </a:xfrm>
           <a:prstGeom prst="rect">
@@ -8127,8 +8127,8 @@
         </p:nvSpPr>
         <p:spPr>
           <a:xfrm>
-            <a:off x="776914" y="617478"/>
-            <a:ext cx="100800" cy="100800"/>
+            <a:off x="764314" y="604878"/>
+            <a:ext cx="126000" cy="126000"/>
           </a:xfrm>
           <a:prstGeom prst="ellipse">
             <a:avLst/>
@@ -8167,7 +8167,7 @@
         </p:nvSpPr>
         <p:spPr>
           <a:xfrm>
-            <a:off x="891214" y="617478"/>
+            <a:off x="878614" y="604878"/>
             <a:ext cx="12700" cy="12700"/>
           </a:xfrm>
           <a:prstGeom prst="rect">

--- a/development/dvc.pptx
+++ b/development/dvc.pptx
@@ -3157,14 +3157,14 @@
         </p:nvSpPr>
         <p:spPr>
           <a:xfrm>
-            <a:off x="2114142" y="2170939"/>
-            <a:ext cx="126000" cy="126000"/>
+            <a:off x="2119542" y="2176339"/>
+            <a:ext cx="115200" cy="115200"/>
           </a:xfrm>
           <a:prstGeom prst="ellipse">
             <a:avLst/>
           </a:prstGeom>
           <a:solidFill>
-            <a:srgbClr val="00FF00"/>
+            <a:srgbClr val="008000"/>
           </a:solidFill>
         </p:spPr>
         <p:style>
@@ -3197,7 +3197,7 @@
         </p:nvSpPr>
         <p:spPr>
           <a:xfrm>
-            <a:off x="2228442" y="2170939"/>
+            <a:off x="2233842" y="2176339"/>
             <a:ext cx="12700" cy="12700"/>
           </a:xfrm>
           <a:prstGeom prst="rect">
@@ -3228,14 +3228,14 @@
         </p:nvSpPr>
         <p:spPr>
           <a:xfrm>
-            <a:off x="3747000" y="5625484"/>
-            <a:ext cx="126000" cy="126000"/>
+            <a:off x="3752400" y="5630884"/>
+            <a:ext cx="115200" cy="115200"/>
           </a:xfrm>
           <a:prstGeom prst="ellipse">
             <a:avLst/>
           </a:prstGeom>
           <a:solidFill>
-            <a:srgbClr val="00FF00"/>
+            <a:srgbClr val="008000"/>
           </a:solidFill>
         </p:spPr>
         <p:style>
@@ -3268,7 +3268,7 @@
         </p:nvSpPr>
         <p:spPr>
           <a:xfrm>
-            <a:off x="3861300" y="5625484"/>
+            <a:off x="3866700" y="5630884"/>
             <a:ext cx="12700" cy="12700"/>
           </a:xfrm>
           <a:prstGeom prst="rect">
@@ -3299,14 +3299,14 @@
         </p:nvSpPr>
         <p:spPr>
           <a:xfrm>
-            <a:off x="7012714" y="4589121"/>
-            <a:ext cx="126000" cy="126000"/>
+            <a:off x="7018114" y="4594521"/>
+            <a:ext cx="115200" cy="115200"/>
           </a:xfrm>
           <a:prstGeom prst="ellipse">
             <a:avLst/>
           </a:prstGeom>
           <a:solidFill>
-            <a:srgbClr val="00FF00"/>
+            <a:srgbClr val="008000"/>
           </a:solidFill>
         </p:spPr>
         <p:style>
@@ -3339,7 +3339,7 @@
         </p:nvSpPr>
         <p:spPr>
           <a:xfrm>
-            <a:off x="7127014" y="4589121"/>
+            <a:off x="7132414" y="4594521"/>
             <a:ext cx="12700" cy="12700"/>
           </a:xfrm>
           <a:prstGeom prst="rect">
@@ -3370,14 +3370,14 @@
         </p:nvSpPr>
         <p:spPr>
           <a:xfrm>
-            <a:off x="7012714" y="4934575"/>
-            <a:ext cx="126000" cy="126000"/>
+            <a:off x="7018114" y="4939975"/>
+            <a:ext cx="115200" cy="115200"/>
           </a:xfrm>
           <a:prstGeom prst="ellipse">
             <a:avLst/>
           </a:prstGeom>
           <a:solidFill>
-            <a:srgbClr val="00FF00"/>
+            <a:srgbClr val="008000"/>
           </a:solidFill>
         </p:spPr>
         <p:style>
@@ -3410,7 +3410,7 @@
         </p:nvSpPr>
         <p:spPr>
           <a:xfrm>
-            <a:off x="7127014" y="4934575"/>
+            <a:off x="7132414" y="4939975"/>
             <a:ext cx="12700" cy="12700"/>
           </a:xfrm>
           <a:prstGeom prst="rect">
@@ -3441,14 +3441,14 @@
         </p:nvSpPr>
         <p:spPr>
           <a:xfrm>
-            <a:off x="7012714" y="5280030"/>
-            <a:ext cx="126000" cy="126000"/>
+            <a:off x="7018114" y="5285430"/>
+            <a:ext cx="115200" cy="115200"/>
           </a:xfrm>
           <a:prstGeom prst="ellipse">
             <a:avLst/>
           </a:prstGeom>
           <a:solidFill>
-            <a:srgbClr val="00FF00"/>
+            <a:srgbClr val="008000"/>
           </a:solidFill>
         </p:spPr>
         <p:style>
@@ -3481,7 +3481,7 @@
         </p:nvSpPr>
         <p:spPr>
           <a:xfrm>
-            <a:off x="7127014" y="5280030"/>
+            <a:off x="7132414" y="5285430"/>
             <a:ext cx="12700" cy="12700"/>
           </a:xfrm>
           <a:prstGeom prst="rect">
@@ -3512,14 +3512,14 @@
         </p:nvSpPr>
         <p:spPr>
           <a:xfrm>
-            <a:off x="6686142" y="5625484"/>
-            <a:ext cx="126000" cy="126000"/>
+            <a:off x="6691542" y="5630884"/>
+            <a:ext cx="115200" cy="115200"/>
           </a:xfrm>
           <a:prstGeom prst="ellipse">
             <a:avLst/>
           </a:prstGeom>
           <a:solidFill>
-            <a:srgbClr val="00FF00"/>
+            <a:srgbClr val="008000"/>
           </a:solidFill>
         </p:spPr>
         <p:style>
@@ -3552,7 +3552,7 @@
         </p:nvSpPr>
         <p:spPr>
           <a:xfrm>
-            <a:off x="6800442" y="5625484"/>
+            <a:off x="6805842" y="5630884"/>
             <a:ext cx="12700" cy="12700"/>
           </a:xfrm>
           <a:prstGeom prst="rect">
@@ -3583,14 +3583,14 @@
         </p:nvSpPr>
         <p:spPr>
           <a:xfrm>
-            <a:off x="2767285" y="2861848"/>
-            <a:ext cx="126000" cy="126000"/>
+            <a:off x="2772685" y="2867248"/>
+            <a:ext cx="115200" cy="115200"/>
           </a:xfrm>
           <a:prstGeom prst="ellipse">
             <a:avLst/>
           </a:prstGeom>
           <a:solidFill>
-            <a:srgbClr val="00FF00"/>
+            <a:srgbClr val="008000"/>
           </a:solidFill>
         </p:spPr>
         <p:style>
@@ -3623,7 +3623,7 @@
         </p:nvSpPr>
         <p:spPr>
           <a:xfrm>
-            <a:off x="2881585" y="2861848"/>
+            <a:off x="2886985" y="2867248"/>
             <a:ext cx="12700" cy="12700"/>
           </a:xfrm>
           <a:prstGeom prst="rect">
@@ -3654,14 +3654,14 @@
         </p:nvSpPr>
         <p:spPr>
           <a:xfrm>
-            <a:off x="7012714" y="5625484"/>
-            <a:ext cx="126000" cy="126000"/>
+            <a:off x="7018114" y="5630884"/>
+            <a:ext cx="115200" cy="115200"/>
           </a:xfrm>
           <a:prstGeom prst="ellipse">
             <a:avLst/>
           </a:prstGeom>
           <a:solidFill>
-            <a:srgbClr val="00FF00"/>
+            <a:srgbClr val="008000"/>
           </a:solidFill>
         </p:spPr>
         <p:style>
@@ -3694,7 +3694,7 @@
         </p:nvSpPr>
         <p:spPr>
           <a:xfrm>
-            <a:off x="7127014" y="5625484"/>
+            <a:off x="7132414" y="5630884"/>
             <a:ext cx="12700" cy="12700"/>
           </a:xfrm>
           <a:prstGeom prst="rect">
@@ -3725,14 +3725,14 @@
         </p:nvSpPr>
         <p:spPr>
           <a:xfrm>
-            <a:off x="2114142" y="5625484"/>
-            <a:ext cx="126000" cy="126000"/>
+            <a:off x="2119542" y="5630884"/>
+            <a:ext cx="115200" cy="115200"/>
           </a:xfrm>
           <a:prstGeom prst="ellipse">
             <a:avLst/>
           </a:prstGeom>
           <a:solidFill>
-            <a:srgbClr val="00FF00"/>
+            <a:srgbClr val="008000"/>
           </a:solidFill>
         </p:spPr>
         <p:style>
@@ -3765,7 +3765,7 @@
         </p:nvSpPr>
         <p:spPr>
           <a:xfrm>
-            <a:off x="2228442" y="5625484"/>
+            <a:off x="2233842" y="5630884"/>
             <a:ext cx="12700" cy="12700"/>
           </a:xfrm>
           <a:prstGeom prst="rect">
@@ -3796,14 +3796,14 @@
         </p:nvSpPr>
         <p:spPr>
           <a:xfrm>
-            <a:off x="6032999" y="3207303"/>
-            <a:ext cx="126000" cy="126000"/>
+            <a:off x="6038399" y="3212703"/>
+            <a:ext cx="115200" cy="115200"/>
           </a:xfrm>
           <a:prstGeom prst="ellipse">
             <a:avLst/>
           </a:prstGeom>
           <a:solidFill>
-            <a:srgbClr val="00FF00"/>
+            <a:srgbClr val="008000"/>
           </a:solidFill>
         </p:spPr>
         <p:style>
@@ -3836,7 +3836,7 @@
         </p:nvSpPr>
         <p:spPr>
           <a:xfrm>
-            <a:off x="6147299" y="3207303"/>
+            <a:off x="6152699" y="3212703"/>
             <a:ext cx="12700" cy="12700"/>
           </a:xfrm>
           <a:prstGeom prst="rect">
@@ -3867,14 +3867,14 @@
         </p:nvSpPr>
         <p:spPr>
           <a:xfrm>
-            <a:off x="1460999" y="1825484"/>
-            <a:ext cx="126000" cy="126000"/>
+            <a:off x="1466399" y="1830884"/>
+            <a:ext cx="115200" cy="115200"/>
           </a:xfrm>
           <a:prstGeom prst="ellipse">
             <a:avLst/>
           </a:prstGeom>
           <a:solidFill>
-            <a:srgbClr val="00FF00"/>
+            <a:srgbClr val="008000"/>
           </a:solidFill>
         </p:spPr>
         <p:style>
@@ -3907,7 +3907,7 @@
         </p:nvSpPr>
         <p:spPr>
           <a:xfrm>
-            <a:off x="1575299" y="1825484"/>
+            <a:off x="1580699" y="1830884"/>
             <a:ext cx="12700" cy="12700"/>
           </a:xfrm>
           <a:prstGeom prst="rect">
@@ -3938,14 +3938,14 @@
         </p:nvSpPr>
         <p:spPr>
           <a:xfrm>
-            <a:off x="3747000" y="2170939"/>
-            <a:ext cx="126000" cy="126000"/>
+            <a:off x="3752400" y="2176339"/>
+            <a:ext cx="115200" cy="115200"/>
           </a:xfrm>
           <a:prstGeom prst="ellipse">
             <a:avLst/>
           </a:prstGeom>
           <a:solidFill>
-            <a:srgbClr val="00FF00"/>
+            <a:srgbClr val="008000"/>
           </a:solidFill>
         </p:spPr>
         <p:style>
@@ -3978,7 +3978,7 @@
         </p:nvSpPr>
         <p:spPr>
           <a:xfrm>
-            <a:off x="3861300" y="2170939"/>
+            <a:off x="3866700" y="2176339"/>
             <a:ext cx="12700" cy="12700"/>
           </a:xfrm>
           <a:prstGeom prst="rect">
@@ -4009,14 +4009,14 @@
         </p:nvSpPr>
         <p:spPr>
           <a:xfrm>
-            <a:off x="4073571" y="2516393"/>
-            <a:ext cx="126000" cy="126000"/>
+            <a:off x="4078971" y="2521793"/>
+            <a:ext cx="115200" cy="115200"/>
           </a:xfrm>
           <a:prstGeom prst="ellipse">
             <a:avLst/>
           </a:prstGeom>
           <a:solidFill>
-            <a:srgbClr val="00FF00"/>
+            <a:srgbClr val="008000"/>
           </a:solidFill>
         </p:spPr>
         <p:style>
@@ -4049,7 +4049,7 @@
         </p:nvSpPr>
         <p:spPr>
           <a:xfrm>
-            <a:off x="4187871" y="2516393"/>
+            <a:off x="4193271" y="2521793"/>
             <a:ext cx="12700" cy="12700"/>
           </a:xfrm>
           <a:prstGeom prst="rect">
@@ -4080,14 +4080,14 @@
         </p:nvSpPr>
         <p:spPr>
           <a:xfrm>
-            <a:off x="1460999" y="1480030"/>
-            <a:ext cx="126000" cy="126000"/>
+            <a:off x="1466399" y="1485430"/>
+            <a:ext cx="115200" cy="115200"/>
           </a:xfrm>
           <a:prstGeom prst="ellipse">
             <a:avLst/>
           </a:prstGeom>
           <a:solidFill>
-            <a:srgbClr val="00FF00"/>
+            <a:srgbClr val="008000"/>
           </a:solidFill>
         </p:spPr>
         <p:style>
@@ -4120,7 +4120,7 @@
         </p:nvSpPr>
         <p:spPr>
           <a:xfrm>
-            <a:off x="1575299" y="1480030"/>
+            <a:off x="1580699" y="1485430"/>
             <a:ext cx="12700" cy="12700"/>
           </a:xfrm>
           <a:prstGeom prst="rect">
@@ -4151,14 +4151,14 @@
         </p:nvSpPr>
         <p:spPr>
           <a:xfrm>
-            <a:off x="1134428" y="1825484"/>
-            <a:ext cx="126000" cy="126000"/>
+            <a:off x="1139828" y="1830884"/>
+            <a:ext cx="115200" cy="115200"/>
           </a:xfrm>
           <a:prstGeom prst="ellipse">
             <a:avLst/>
           </a:prstGeom>
           <a:solidFill>
-            <a:srgbClr val="00FF00"/>
+            <a:srgbClr val="008000"/>
           </a:solidFill>
         </p:spPr>
         <p:style>
@@ -4191,7 +4191,7 @@
         </p:nvSpPr>
         <p:spPr>
           <a:xfrm>
-            <a:off x="1248728" y="1825484"/>
+            <a:off x="1254128" y="1830884"/>
             <a:ext cx="12700" cy="12700"/>
           </a:xfrm>
           <a:prstGeom prst="rect">
@@ -4222,14 +4222,14 @@
         </p:nvSpPr>
         <p:spPr>
           <a:xfrm>
-            <a:off x="1787571" y="3552757"/>
-            <a:ext cx="126000" cy="126000"/>
+            <a:off x="1792971" y="3558157"/>
+            <a:ext cx="115200" cy="115200"/>
           </a:xfrm>
           <a:prstGeom prst="ellipse">
             <a:avLst/>
           </a:prstGeom>
           <a:solidFill>
-            <a:srgbClr val="00FF00"/>
+            <a:srgbClr val="008000"/>
           </a:solidFill>
         </p:spPr>
         <p:style>
@@ -4262,7 +4262,7 @@
         </p:nvSpPr>
         <p:spPr>
           <a:xfrm>
-            <a:off x="1901871" y="3552757"/>
+            <a:off x="1907271" y="3558157"/>
             <a:ext cx="12700" cy="12700"/>
           </a:xfrm>
           <a:prstGeom prst="rect">
@@ -4293,14 +4293,14 @@
         </p:nvSpPr>
         <p:spPr>
           <a:xfrm>
-            <a:off x="1787571" y="5625484"/>
-            <a:ext cx="126000" cy="126000"/>
+            <a:off x="1792971" y="5630884"/>
+            <a:ext cx="115200" cy="115200"/>
           </a:xfrm>
           <a:prstGeom prst="ellipse">
             <a:avLst/>
           </a:prstGeom>
           <a:solidFill>
-            <a:srgbClr val="00FF00"/>
+            <a:srgbClr val="008000"/>
           </a:solidFill>
         </p:spPr>
         <p:style>
@@ -4333,7 +4333,7 @@
         </p:nvSpPr>
         <p:spPr>
           <a:xfrm>
-            <a:off x="1901871" y="5625484"/>
+            <a:off x="1907271" y="5630884"/>
             <a:ext cx="12700" cy="12700"/>
           </a:xfrm>
           <a:prstGeom prst="rect">
@@ -4364,14 +4364,14 @@
         </p:nvSpPr>
         <p:spPr>
           <a:xfrm>
-            <a:off x="3420428" y="2861848"/>
-            <a:ext cx="126000" cy="126000"/>
+            <a:off x="3425828" y="2867248"/>
+            <a:ext cx="115200" cy="115200"/>
           </a:xfrm>
           <a:prstGeom prst="ellipse">
             <a:avLst/>
           </a:prstGeom>
           <a:solidFill>
-            <a:srgbClr val="00FF00"/>
+            <a:srgbClr val="008000"/>
           </a:solidFill>
         </p:spPr>
         <p:style>
@@ -4404,7 +4404,7 @@
         </p:nvSpPr>
         <p:spPr>
           <a:xfrm>
-            <a:off x="3534728" y="2861848"/>
+            <a:off x="3540128" y="2867248"/>
             <a:ext cx="12700" cy="12700"/>
           </a:xfrm>
           <a:prstGeom prst="rect">
@@ -4435,14 +4435,14 @@
         </p:nvSpPr>
         <p:spPr>
           <a:xfrm>
-            <a:off x="5053285" y="1825484"/>
-            <a:ext cx="126000" cy="126000"/>
+            <a:off x="5058685" y="1830884"/>
+            <a:ext cx="115200" cy="115200"/>
           </a:xfrm>
           <a:prstGeom prst="ellipse">
             <a:avLst/>
           </a:prstGeom>
           <a:solidFill>
-            <a:srgbClr val="00FF00"/>
+            <a:srgbClr val="008000"/>
           </a:solidFill>
         </p:spPr>
         <p:style>
@@ -4475,7 +4475,7 @@
         </p:nvSpPr>
         <p:spPr>
           <a:xfrm>
-            <a:off x="5167585" y="1825484"/>
+            <a:off x="5172985" y="1830884"/>
             <a:ext cx="12700" cy="12700"/>
           </a:xfrm>
           <a:prstGeom prst="rect">
@@ -4506,14 +4506,14 @@
         </p:nvSpPr>
         <p:spPr>
           <a:xfrm>
-            <a:off x="6032999" y="3552757"/>
-            <a:ext cx="126000" cy="126000"/>
+            <a:off x="6038399" y="3558157"/>
+            <a:ext cx="115200" cy="115200"/>
           </a:xfrm>
           <a:prstGeom prst="ellipse">
             <a:avLst/>
           </a:prstGeom>
           <a:solidFill>
-            <a:srgbClr val="00FF00"/>
+            <a:srgbClr val="008000"/>
           </a:solidFill>
         </p:spPr>
         <p:style>
@@ -4546,7 +4546,7 @@
         </p:nvSpPr>
         <p:spPr>
           <a:xfrm>
-            <a:off x="6147299" y="3552757"/>
+            <a:off x="6152699" y="3558157"/>
             <a:ext cx="12700" cy="12700"/>
           </a:xfrm>
           <a:prstGeom prst="rect">
@@ -4577,14 +4577,14 @@
         </p:nvSpPr>
         <p:spPr>
           <a:xfrm>
-            <a:off x="1787571" y="2861848"/>
-            <a:ext cx="126000" cy="126000"/>
+            <a:off x="1792971" y="2867248"/>
+            <a:ext cx="115200" cy="115200"/>
           </a:xfrm>
           <a:prstGeom prst="ellipse">
             <a:avLst/>
           </a:prstGeom>
           <a:solidFill>
-            <a:srgbClr val="00FF00"/>
+            <a:srgbClr val="008000"/>
           </a:solidFill>
         </p:spPr>
         <p:style>
@@ -4617,7 +4617,7 @@
         </p:nvSpPr>
         <p:spPr>
           <a:xfrm>
-            <a:off x="1901871" y="2861848"/>
+            <a:off x="1907271" y="2867248"/>
             <a:ext cx="12700" cy="12700"/>
           </a:xfrm>
           <a:prstGeom prst="rect">
@@ -4648,14 +4648,14 @@
         </p:nvSpPr>
         <p:spPr>
           <a:xfrm>
-            <a:off x="3747000" y="1825484"/>
-            <a:ext cx="126000" cy="126000"/>
+            <a:off x="3752400" y="1830884"/>
+            <a:ext cx="115200" cy="115200"/>
           </a:xfrm>
           <a:prstGeom prst="ellipse">
             <a:avLst/>
           </a:prstGeom>
           <a:solidFill>
-            <a:srgbClr val="00FF00"/>
+            <a:srgbClr val="008000"/>
           </a:solidFill>
         </p:spPr>
         <p:style>
@@ -4688,7 +4688,7 @@
         </p:nvSpPr>
         <p:spPr>
           <a:xfrm>
-            <a:off x="3861300" y="1825484"/>
+            <a:off x="3866700" y="1830884"/>
             <a:ext cx="12700" cy="12700"/>
           </a:xfrm>
           <a:prstGeom prst="rect">
@@ -4719,14 +4719,14 @@
         </p:nvSpPr>
         <p:spPr>
           <a:xfrm>
-            <a:off x="4073571" y="2170939"/>
-            <a:ext cx="126000" cy="126000"/>
+            <a:off x="4078971" y="2176339"/>
+            <a:ext cx="115200" cy="115200"/>
           </a:xfrm>
           <a:prstGeom prst="ellipse">
             <a:avLst/>
           </a:prstGeom>
           <a:solidFill>
-            <a:srgbClr val="00FF00"/>
+            <a:srgbClr val="008000"/>
           </a:solidFill>
         </p:spPr>
         <p:style>
@@ -4759,7 +4759,7 @@
         </p:nvSpPr>
         <p:spPr>
           <a:xfrm>
-            <a:off x="4187871" y="2170939"/>
+            <a:off x="4193271" y="2176339"/>
             <a:ext cx="12700" cy="12700"/>
           </a:xfrm>
           <a:prstGeom prst="rect">
@@ -4790,14 +4790,14 @@
         </p:nvSpPr>
         <p:spPr>
           <a:xfrm>
-            <a:off x="3747000" y="2861848"/>
-            <a:ext cx="126000" cy="126000"/>
+            <a:off x="3752400" y="2867248"/>
+            <a:ext cx="115200" cy="115200"/>
           </a:xfrm>
           <a:prstGeom prst="ellipse">
             <a:avLst/>
           </a:prstGeom>
           <a:solidFill>
-            <a:srgbClr val="00FF00"/>
+            <a:srgbClr val="008000"/>
           </a:solidFill>
         </p:spPr>
         <p:style>
@@ -4830,7 +4830,7 @@
         </p:nvSpPr>
         <p:spPr>
           <a:xfrm>
-            <a:off x="3861300" y="2861848"/>
+            <a:off x="3866700" y="2867248"/>
             <a:ext cx="12700" cy="12700"/>
           </a:xfrm>
           <a:prstGeom prst="rect">
@@ -4861,14 +4861,14 @@
         </p:nvSpPr>
         <p:spPr>
           <a:xfrm>
-            <a:off x="3420428" y="1480030"/>
-            <a:ext cx="126000" cy="126000"/>
+            <a:off x="3425828" y="1485430"/>
+            <a:ext cx="115200" cy="115200"/>
           </a:xfrm>
           <a:prstGeom prst="ellipse">
             <a:avLst/>
           </a:prstGeom>
           <a:solidFill>
-            <a:srgbClr val="00FF00"/>
+            <a:srgbClr val="008000"/>
           </a:solidFill>
         </p:spPr>
         <p:style>
@@ -4901,7 +4901,7 @@
         </p:nvSpPr>
         <p:spPr>
           <a:xfrm>
-            <a:off x="3534728" y="1480030"/>
+            <a:off x="3540128" y="1485430"/>
             <a:ext cx="12700" cy="12700"/>
           </a:xfrm>
           <a:prstGeom prst="rect">
@@ -4932,14 +4932,14 @@
         </p:nvSpPr>
         <p:spPr>
           <a:xfrm>
-            <a:off x="2767285" y="1480030"/>
-            <a:ext cx="126000" cy="126000"/>
+            <a:off x="2772685" y="1485430"/>
+            <a:ext cx="115200" cy="115200"/>
           </a:xfrm>
           <a:prstGeom prst="ellipse">
             <a:avLst/>
           </a:prstGeom>
           <a:solidFill>
-            <a:srgbClr val="00FF00"/>
+            <a:srgbClr val="008000"/>
           </a:solidFill>
         </p:spPr>
         <p:style>
@@ -4972,7 +4972,7 @@
         </p:nvSpPr>
         <p:spPr>
           <a:xfrm>
-            <a:off x="2881585" y="1480030"/>
+            <a:off x="2886985" y="1485430"/>
             <a:ext cx="12700" cy="12700"/>
           </a:xfrm>
           <a:prstGeom prst="rect">
@@ -5003,14 +5003,14 @@
         </p:nvSpPr>
         <p:spPr>
           <a:xfrm>
-            <a:off x="3747000" y="3207303"/>
-            <a:ext cx="126000" cy="126000"/>
+            <a:off x="3752400" y="3212703"/>
+            <a:ext cx="115200" cy="115200"/>
           </a:xfrm>
           <a:prstGeom prst="ellipse">
             <a:avLst/>
           </a:prstGeom>
           <a:solidFill>
-            <a:srgbClr val="00FF00"/>
+            <a:srgbClr val="008000"/>
           </a:solidFill>
         </p:spPr>
         <p:style>
@@ -5043,7 +5043,7 @@
         </p:nvSpPr>
         <p:spPr>
           <a:xfrm>
-            <a:off x="3861300" y="3207303"/>
+            <a:off x="3866700" y="3212703"/>
             <a:ext cx="12700" cy="12700"/>
           </a:xfrm>
           <a:prstGeom prst="rect">
@@ -5074,14 +5074,14 @@
         </p:nvSpPr>
         <p:spPr>
           <a:xfrm>
-            <a:off x="4073571" y="3552757"/>
-            <a:ext cx="126000" cy="126000"/>
+            <a:off x="4078971" y="3558157"/>
+            <a:ext cx="115200" cy="115200"/>
           </a:xfrm>
           <a:prstGeom prst="ellipse">
             <a:avLst/>
           </a:prstGeom>
           <a:solidFill>
-            <a:srgbClr val="00FF00"/>
+            <a:srgbClr val="008000"/>
           </a:solidFill>
         </p:spPr>
         <p:style>
@@ -5114,7 +5114,7 @@
         </p:nvSpPr>
         <p:spPr>
           <a:xfrm>
-            <a:off x="4187871" y="3552757"/>
+            <a:off x="4193271" y="3558157"/>
             <a:ext cx="12700" cy="12700"/>
           </a:xfrm>
           <a:prstGeom prst="rect">
@@ -5145,14 +5145,14 @@
         </p:nvSpPr>
         <p:spPr>
           <a:xfrm>
-            <a:off x="1460999" y="2861848"/>
-            <a:ext cx="126000" cy="126000"/>
+            <a:off x="1466399" y="2867248"/>
+            <a:ext cx="115200" cy="115200"/>
           </a:xfrm>
           <a:prstGeom prst="ellipse">
             <a:avLst/>
           </a:prstGeom>
           <a:solidFill>
-            <a:srgbClr val="00FF00"/>
+            <a:srgbClr val="008000"/>
           </a:solidFill>
         </p:spPr>
         <p:style>
@@ -5185,7 +5185,7 @@
         </p:nvSpPr>
         <p:spPr>
           <a:xfrm>
-            <a:off x="1575299" y="2861848"/>
+            <a:off x="1580699" y="2867248"/>
             <a:ext cx="12700" cy="12700"/>
           </a:xfrm>
           <a:prstGeom prst="rect">
@@ -5216,14 +5216,14 @@
         </p:nvSpPr>
         <p:spPr>
           <a:xfrm>
-            <a:off x="1134428" y="2861848"/>
-            <a:ext cx="126000" cy="126000"/>
+            <a:off x="1139828" y="2867248"/>
+            <a:ext cx="115200" cy="115200"/>
           </a:xfrm>
           <a:prstGeom prst="ellipse">
             <a:avLst/>
           </a:prstGeom>
           <a:solidFill>
-            <a:srgbClr val="00FF00"/>
+            <a:srgbClr val="008000"/>
           </a:solidFill>
         </p:spPr>
         <p:style>
@@ -5256,7 +5256,7 @@
         </p:nvSpPr>
         <p:spPr>
           <a:xfrm>
-            <a:off x="1248728" y="2861848"/>
+            <a:off x="1254128" y="2867248"/>
             <a:ext cx="12700" cy="12700"/>
           </a:xfrm>
           <a:prstGeom prst="rect">
@@ -5287,14 +5287,14 @@
         </p:nvSpPr>
         <p:spPr>
           <a:xfrm>
-            <a:off x="3093857" y="2170939"/>
-            <a:ext cx="126000" cy="126000"/>
+            <a:off x="3099257" y="2176339"/>
+            <a:ext cx="115200" cy="115200"/>
           </a:xfrm>
           <a:prstGeom prst="ellipse">
             <a:avLst/>
           </a:prstGeom>
           <a:solidFill>
-            <a:srgbClr val="00FF00"/>
+            <a:srgbClr val="008000"/>
           </a:solidFill>
         </p:spPr>
         <p:style>
@@ -5327,7 +5327,7 @@
         </p:nvSpPr>
         <p:spPr>
           <a:xfrm>
-            <a:off x="3208157" y="2170939"/>
+            <a:off x="3213557" y="2176339"/>
             <a:ext cx="12700" cy="12700"/>
           </a:xfrm>
           <a:prstGeom prst="rect">
@@ -5358,14 +5358,14 @@
         </p:nvSpPr>
         <p:spPr>
           <a:xfrm>
-            <a:off x="2767285" y="4243666"/>
-            <a:ext cx="126000" cy="126000"/>
+            <a:off x="2772685" y="4249066"/>
+            <a:ext cx="115200" cy="115200"/>
           </a:xfrm>
           <a:prstGeom prst="ellipse">
             <a:avLst/>
           </a:prstGeom>
           <a:solidFill>
-            <a:srgbClr val="00FF00"/>
+            <a:srgbClr val="008000"/>
           </a:solidFill>
         </p:spPr>
         <p:style>
@@ -5398,7 +5398,7 @@
         </p:nvSpPr>
         <p:spPr>
           <a:xfrm>
-            <a:off x="2881585" y="4243666"/>
+            <a:off x="2886985" y="4249066"/>
             <a:ext cx="12700" cy="12700"/>
           </a:xfrm>
           <a:prstGeom prst="rect">
@@ -5429,14 +5429,14 @@
         </p:nvSpPr>
         <p:spPr>
           <a:xfrm>
-            <a:off x="6359571" y="2861848"/>
-            <a:ext cx="126000" cy="126000"/>
+            <a:off x="6364971" y="2867248"/>
+            <a:ext cx="115200" cy="115200"/>
           </a:xfrm>
           <a:prstGeom prst="ellipse">
             <a:avLst/>
           </a:prstGeom>
           <a:solidFill>
-            <a:srgbClr val="00FF00"/>
+            <a:srgbClr val="008000"/>
           </a:solidFill>
         </p:spPr>
         <p:style>
@@ -5469,7 +5469,7 @@
         </p:nvSpPr>
         <p:spPr>
           <a:xfrm>
-            <a:off x="6473871" y="2861848"/>
+            <a:off x="6479271" y="2867248"/>
             <a:ext cx="12700" cy="12700"/>
           </a:xfrm>
           <a:prstGeom prst="rect">
@@ -5500,14 +5500,14 @@
         </p:nvSpPr>
         <p:spPr>
           <a:xfrm>
-            <a:off x="2114142" y="1825484"/>
-            <a:ext cx="126000" cy="126000"/>
+            <a:off x="2119542" y="1830884"/>
+            <a:ext cx="115200" cy="115200"/>
           </a:xfrm>
           <a:prstGeom prst="ellipse">
             <a:avLst/>
           </a:prstGeom>
           <a:solidFill>
-            <a:srgbClr val="00FF00"/>
+            <a:srgbClr val="008000"/>
           </a:solidFill>
         </p:spPr>
         <p:style>
@@ -5540,7 +5540,7 @@
         </p:nvSpPr>
         <p:spPr>
           <a:xfrm>
-            <a:off x="2228442" y="1825484"/>
+            <a:off x="2233842" y="1830884"/>
             <a:ext cx="12700" cy="12700"/>
           </a:xfrm>
           <a:prstGeom prst="rect">
@@ -5571,14 +5571,14 @@
         </p:nvSpPr>
         <p:spPr>
           <a:xfrm>
-            <a:off x="5706428" y="4589121"/>
-            <a:ext cx="126000" cy="126000"/>
+            <a:off x="5711828" y="4594521"/>
+            <a:ext cx="115200" cy="115200"/>
           </a:xfrm>
           <a:prstGeom prst="ellipse">
             <a:avLst/>
           </a:prstGeom>
           <a:solidFill>
-            <a:srgbClr val="00FF00"/>
+            <a:srgbClr val="008000"/>
           </a:solidFill>
         </p:spPr>
         <p:style>
@@ -5611,7 +5611,7 @@
         </p:nvSpPr>
         <p:spPr>
           <a:xfrm>
-            <a:off x="5820728" y="4589121"/>
+            <a:off x="5826128" y="4594521"/>
             <a:ext cx="12700" cy="12700"/>
           </a:xfrm>
           <a:prstGeom prst="rect">
@@ -5642,14 +5642,14 @@
         </p:nvSpPr>
         <p:spPr>
           <a:xfrm>
-            <a:off x="1787571" y="1480030"/>
-            <a:ext cx="126000" cy="126000"/>
+            <a:off x="1792971" y="1485430"/>
+            <a:ext cx="115200" cy="115200"/>
           </a:xfrm>
           <a:prstGeom prst="ellipse">
             <a:avLst/>
           </a:prstGeom>
           <a:solidFill>
-            <a:srgbClr val="00FF00"/>
+            <a:srgbClr val="008000"/>
           </a:solidFill>
         </p:spPr>
         <p:style>
@@ -5682,7 +5682,7 @@
         </p:nvSpPr>
         <p:spPr>
           <a:xfrm>
-            <a:off x="1901871" y="1480030"/>
+            <a:off x="1907271" y="1485430"/>
             <a:ext cx="12700" cy="12700"/>
           </a:xfrm>
           <a:prstGeom prst="rect">
@@ -5713,14 +5713,14 @@
         </p:nvSpPr>
         <p:spPr>
           <a:xfrm>
-            <a:off x="2440714" y="2861848"/>
-            <a:ext cx="126000" cy="126000"/>
+            <a:off x="2446114" y="2867248"/>
+            <a:ext cx="115200" cy="115200"/>
           </a:xfrm>
           <a:prstGeom prst="ellipse">
             <a:avLst/>
           </a:prstGeom>
           <a:solidFill>
-            <a:srgbClr val="00FF00"/>
+            <a:srgbClr val="008000"/>
           </a:solidFill>
         </p:spPr>
         <p:style>
@@ -5753,7 +5753,7 @@
         </p:nvSpPr>
         <p:spPr>
           <a:xfrm>
-            <a:off x="2555014" y="2861848"/>
+            <a:off x="2560414" y="2867248"/>
             <a:ext cx="12700" cy="12700"/>
           </a:xfrm>
           <a:prstGeom prst="rect">
@@ -5784,8 +5784,8 @@
         </p:nvSpPr>
         <p:spPr>
           <a:xfrm>
-            <a:off x="7339285" y="2516393"/>
-            <a:ext cx="126000" cy="126000"/>
+            <a:off x="7344685" y="2521793"/>
+            <a:ext cx="115200" cy="115200"/>
           </a:xfrm>
           <a:prstGeom prst="ellipse">
             <a:avLst/>
@@ -5824,7 +5824,7 @@
         </p:nvSpPr>
         <p:spPr>
           <a:xfrm>
-            <a:off x="7453585" y="2516393"/>
+            <a:off x="7458985" y="2521793"/>
             <a:ext cx="12700" cy="12700"/>
           </a:xfrm>
           <a:prstGeom prst="rect">
@@ -5855,8 +5855,8 @@
         </p:nvSpPr>
         <p:spPr>
           <a:xfrm>
-            <a:off x="3747000" y="1134575"/>
-            <a:ext cx="126000" cy="126000"/>
+            <a:off x="3752400" y="1139975"/>
+            <a:ext cx="115200" cy="115200"/>
           </a:xfrm>
           <a:prstGeom prst="ellipse">
             <a:avLst/>
@@ -5895,7 +5895,7 @@
         </p:nvSpPr>
         <p:spPr>
           <a:xfrm>
-            <a:off x="3861300" y="1134575"/>
+            <a:off x="3866700" y="1139975"/>
             <a:ext cx="12700" cy="12700"/>
           </a:xfrm>
           <a:prstGeom prst="rect">
@@ -5926,8 +5926,8 @@
         </p:nvSpPr>
         <p:spPr>
           <a:xfrm>
-            <a:off x="2114142" y="2516393"/>
-            <a:ext cx="126000" cy="126000"/>
+            <a:off x="2119542" y="2521793"/>
+            <a:ext cx="115200" cy="115200"/>
           </a:xfrm>
           <a:prstGeom prst="ellipse">
             <a:avLst/>
@@ -5966,7 +5966,7 @@
         </p:nvSpPr>
         <p:spPr>
           <a:xfrm>
-            <a:off x="2228442" y="2516393"/>
+            <a:off x="2233842" y="2521793"/>
             <a:ext cx="12700" cy="12700"/>
           </a:xfrm>
           <a:prstGeom prst="rect">
@@ -5997,8 +5997,8 @@
         </p:nvSpPr>
         <p:spPr>
           <a:xfrm>
-            <a:off x="2767285" y="2516393"/>
-            <a:ext cx="126000" cy="126000"/>
+            <a:off x="2772685" y="2521793"/>
+            <a:ext cx="115200" cy="115200"/>
           </a:xfrm>
           <a:prstGeom prst="ellipse">
             <a:avLst/>
@@ -6037,7 +6037,7 @@
         </p:nvSpPr>
         <p:spPr>
           <a:xfrm>
-            <a:off x="2881585" y="2516393"/>
+            <a:off x="2886985" y="2521793"/>
             <a:ext cx="12700" cy="12700"/>
           </a:xfrm>
           <a:prstGeom prst="rect">
@@ -6068,8 +6068,8 @@
         </p:nvSpPr>
         <p:spPr>
           <a:xfrm>
-            <a:off x="6032999" y="2861848"/>
-            <a:ext cx="126000" cy="126000"/>
+            <a:off x="6038399" y="2867248"/>
+            <a:ext cx="115200" cy="115200"/>
           </a:xfrm>
           <a:prstGeom prst="ellipse">
             <a:avLst/>
@@ -6108,7 +6108,7 @@
         </p:nvSpPr>
         <p:spPr>
           <a:xfrm>
-            <a:off x="6147299" y="2861848"/>
+            <a:off x="6152699" y="2867248"/>
             <a:ext cx="12700" cy="12700"/>
           </a:xfrm>
           <a:prstGeom prst="rect">
@@ -6139,8 +6139,8 @@
         </p:nvSpPr>
         <p:spPr>
           <a:xfrm>
-            <a:off x="3747000" y="1364878"/>
-            <a:ext cx="126000" cy="126000"/>
+            <a:off x="3752400" y="1370278"/>
+            <a:ext cx="115200" cy="115200"/>
           </a:xfrm>
           <a:prstGeom prst="ellipse">
             <a:avLst/>
@@ -6179,7 +6179,7 @@
         </p:nvSpPr>
         <p:spPr>
           <a:xfrm>
-            <a:off x="3861300" y="1364878"/>
+            <a:off x="3866700" y="1370278"/>
             <a:ext cx="12700" cy="12700"/>
           </a:xfrm>
           <a:prstGeom prst="rect">
@@ -6210,8 +6210,8 @@
         </p:nvSpPr>
         <p:spPr>
           <a:xfrm>
-            <a:off x="6686142" y="1825484"/>
-            <a:ext cx="126000" cy="126000"/>
+            <a:off x="6691542" y="1830884"/>
+            <a:ext cx="115200" cy="115200"/>
           </a:xfrm>
           <a:prstGeom prst="ellipse">
             <a:avLst/>
@@ -6250,7 +6250,7 @@
         </p:nvSpPr>
         <p:spPr>
           <a:xfrm>
-            <a:off x="6800442" y="1825484"/>
+            <a:off x="6805842" y="1830884"/>
             <a:ext cx="12700" cy="12700"/>
           </a:xfrm>
           <a:prstGeom prst="rect">
@@ -6281,8 +6281,8 @@
         </p:nvSpPr>
         <p:spPr>
           <a:xfrm>
-            <a:off x="2767285" y="2170939"/>
-            <a:ext cx="126000" cy="126000"/>
+            <a:off x="2772685" y="2176339"/>
+            <a:ext cx="115200" cy="115200"/>
           </a:xfrm>
           <a:prstGeom prst="ellipse">
             <a:avLst/>
@@ -6321,7 +6321,7 @@
         </p:nvSpPr>
         <p:spPr>
           <a:xfrm>
-            <a:off x="2881585" y="2170939"/>
+            <a:off x="2886985" y="2176339"/>
             <a:ext cx="12700" cy="12700"/>
           </a:xfrm>
           <a:prstGeom prst="rect">
@@ -6352,8 +6352,8 @@
         </p:nvSpPr>
         <p:spPr>
           <a:xfrm>
-            <a:off x="5706428" y="1825484"/>
-            <a:ext cx="126000" cy="126000"/>
+            <a:off x="5711828" y="1830884"/>
+            <a:ext cx="115200" cy="115200"/>
           </a:xfrm>
           <a:prstGeom prst="ellipse">
             <a:avLst/>
@@ -6392,7 +6392,7 @@
         </p:nvSpPr>
         <p:spPr>
           <a:xfrm>
-            <a:off x="5820728" y="1825484"/>
+            <a:off x="5826128" y="1830884"/>
             <a:ext cx="12700" cy="12700"/>
           </a:xfrm>
           <a:prstGeom prst="rect">
@@ -6423,8 +6423,8 @@
         </p:nvSpPr>
         <p:spPr>
           <a:xfrm>
-            <a:off x="4400142" y="1364878"/>
-            <a:ext cx="126000" cy="126000"/>
+            <a:off x="4405542" y="1370278"/>
+            <a:ext cx="115200" cy="115200"/>
           </a:xfrm>
           <a:prstGeom prst="ellipse">
             <a:avLst/>
@@ -6463,7 +6463,7 @@
         </p:nvSpPr>
         <p:spPr>
           <a:xfrm>
-            <a:off x="4514442" y="1364878"/>
+            <a:off x="4519842" y="1370278"/>
             <a:ext cx="12700" cy="12700"/>
           </a:xfrm>
           <a:prstGeom prst="rect">
@@ -6494,8 +6494,8 @@
         </p:nvSpPr>
         <p:spPr>
           <a:xfrm>
-            <a:off x="1787571" y="2516393"/>
-            <a:ext cx="126000" cy="126000"/>
+            <a:off x="1792971" y="2521793"/>
+            <a:ext cx="115200" cy="115200"/>
           </a:xfrm>
           <a:prstGeom prst="ellipse">
             <a:avLst/>
@@ -6534,7 +6534,7 @@
         </p:nvSpPr>
         <p:spPr>
           <a:xfrm>
-            <a:off x="1901871" y="2516393"/>
+            <a:off x="1907271" y="2521793"/>
             <a:ext cx="12700" cy="12700"/>
           </a:xfrm>
           <a:prstGeom prst="rect">
@@ -6565,8 +6565,8 @@
         </p:nvSpPr>
         <p:spPr>
           <a:xfrm>
-            <a:off x="2114142" y="5280030"/>
-            <a:ext cx="126000" cy="126000"/>
+            <a:off x="2119542" y="5285430"/>
+            <a:ext cx="115200" cy="115200"/>
           </a:xfrm>
           <a:prstGeom prst="ellipse">
             <a:avLst/>
@@ -6605,7 +6605,7 @@
         </p:nvSpPr>
         <p:spPr>
           <a:xfrm>
-            <a:off x="2228442" y="5280030"/>
+            <a:off x="2233842" y="5285430"/>
             <a:ext cx="12700" cy="12700"/>
           </a:xfrm>
           <a:prstGeom prst="rect">
@@ -6636,8 +6636,8 @@
         </p:nvSpPr>
         <p:spPr>
           <a:xfrm>
-            <a:off x="5706428" y="4243666"/>
-            <a:ext cx="126000" cy="126000"/>
+            <a:off x="5711828" y="4249066"/>
+            <a:ext cx="115200" cy="115200"/>
           </a:xfrm>
           <a:prstGeom prst="ellipse">
             <a:avLst/>
@@ -6676,7 +6676,7 @@
         </p:nvSpPr>
         <p:spPr>
           <a:xfrm>
-            <a:off x="5820728" y="4243666"/>
+            <a:off x="5826128" y="4249066"/>
             <a:ext cx="12700" cy="12700"/>
           </a:xfrm>
           <a:prstGeom prst="rect">
@@ -6707,8 +6707,8 @@
         </p:nvSpPr>
         <p:spPr>
           <a:xfrm>
-            <a:off x="6686142" y="2516393"/>
-            <a:ext cx="126000" cy="126000"/>
+            <a:off x="6691542" y="2521793"/>
+            <a:ext cx="115200" cy="115200"/>
           </a:xfrm>
           <a:prstGeom prst="ellipse">
             <a:avLst/>
@@ -6747,7 +6747,7 @@
         </p:nvSpPr>
         <p:spPr>
           <a:xfrm>
-            <a:off x="6800442" y="2516393"/>
+            <a:off x="6805842" y="2521793"/>
             <a:ext cx="12700" cy="12700"/>
           </a:xfrm>
           <a:prstGeom prst="rect">
@@ -6778,8 +6778,8 @@
         </p:nvSpPr>
         <p:spPr>
           <a:xfrm>
-            <a:off x="2767285" y="1825484"/>
-            <a:ext cx="126000" cy="126000"/>
+            <a:off x="2772685" y="1830884"/>
+            <a:ext cx="115200" cy="115200"/>
           </a:xfrm>
           <a:prstGeom prst="ellipse">
             <a:avLst/>
@@ -6818,7 +6818,7 @@
         </p:nvSpPr>
         <p:spPr>
           <a:xfrm>
-            <a:off x="2881585" y="1825484"/>
+            <a:off x="2886985" y="1830884"/>
             <a:ext cx="12700" cy="12700"/>
           </a:xfrm>
           <a:prstGeom prst="rect">
@@ -6849,8 +6849,8 @@
         </p:nvSpPr>
         <p:spPr>
           <a:xfrm>
-            <a:off x="1460999" y="1134575"/>
-            <a:ext cx="126000" cy="126000"/>
+            <a:off x="1466399" y="1139975"/>
+            <a:ext cx="115200" cy="115200"/>
           </a:xfrm>
           <a:prstGeom prst="ellipse">
             <a:avLst/>
@@ -6889,7 +6889,7 @@
         </p:nvSpPr>
         <p:spPr>
           <a:xfrm>
-            <a:off x="1575299" y="1134575"/>
+            <a:off x="1580699" y="1139975"/>
             <a:ext cx="12700" cy="12700"/>
           </a:xfrm>
           <a:prstGeom prst="rect">
@@ -6920,8 +6920,8 @@
         </p:nvSpPr>
         <p:spPr>
           <a:xfrm>
-            <a:off x="6032999" y="2516393"/>
-            <a:ext cx="126000" cy="126000"/>
+            <a:off x="6038399" y="2521793"/>
+            <a:ext cx="115200" cy="115200"/>
           </a:xfrm>
           <a:prstGeom prst="ellipse">
             <a:avLst/>
@@ -6960,7 +6960,7 @@
         </p:nvSpPr>
         <p:spPr>
           <a:xfrm>
-            <a:off x="6147299" y="2516393"/>
+            <a:off x="6152699" y="2521793"/>
             <a:ext cx="12700" cy="12700"/>
           </a:xfrm>
           <a:prstGeom prst="rect">
@@ -6991,8 +6991,8 @@
         </p:nvSpPr>
         <p:spPr>
           <a:xfrm>
-            <a:off x="6686142" y="4243666"/>
-            <a:ext cx="126000" cy="126000"/>
+            <a:off x="6691542" y="4249066"/>
+            <a:ext cx="115200" cy="115200"/>
           </a:xfrm>
           <a:prstGeom prst="ellipse">
             <a:avLst/>
@@ -7031,7 +7031,7 @@
         </p:nvSpPr>
         <p:spPr>
           <a:xfrm>
-            <a:off x="6800442" y="4243666"/>
+            <a:off x="6805842" y="4249066"/>
             <a:ext cx="12700" cy="12700"/>
           </a:xfrm>
           <a:prstGeom prst="rect">
@@ -7062,8 +7062,8 @@
         </p:nvSpPr>
         <p:spPr>
           <a:xfrm>
-            <a:off x="7012714" y="4243666"/>
-            <a:ext cx="126000" cy="126000"/>
+            <a:off x="7018114" y="4249066"/>
+            <a:ext cx="115200" cy="115200"/>
           </a:xfrm>
           <a:prstGeom prst="ellipse">
             <a:avLst/>
@@ -7102,7 +7102,7 @@
         </p:nvSpPr>
         <p:spPr>
           <a:xfrm>
-            <a:off x="7127014" y="4243666"/>
+            <a:off x="7132414" y="4249066"/>
             <a:ext cx="12700" cy="12700"/>
           </a:xfrm>
           <a:prstGeom prst="rect">
@@ -7133,8 +7133,8 @@
         </p:nvSpPr>
         <p:spPr>
           <a:xfrm>
-            <a:off x="5053285" y="1364878"/>
-            <a:ext cx="126000" cy="126000"/>
+            <a:off x="5058685" y="1370278"/>
+            <a:ext cx="115200" cy="115200"/>
           </a:xfrm>
           <a:prstGeom prst="ellipse">
             <a:avLst/>
@@ -7173,7 +7173,7 @@
         </p:nvSpPr>
         <p:spPr>
           <a:xfrm>
-            <a:off x="5167585" y="1364878"/>
+            <a:off x="5172985" y="1370278"/>
             <a:ext cx="12700" cy="12700"/>
           </a:xfrm>
           <a:prstGeom prst="rect">
@@ -7204,8 +7204,8 @@
         </p:nvSpPr>
         <p:spPr>
           <a:xfrm>
-            <a:off x="1134428" y="5280030"/>
-            <a:ext cx="126000" cy="126000"/>
+            <a:off x="1139828" y="5285430"/>
+            <a:ext cx="115200" cy="115200"/>
           </a:xfrm>
           <a:prstGeom prst="ellipse">
             <a:avLst/>
@@ -7244,7 +7244,7 @@
         </p:nvSpPr>
         <p:spPr>
           <a:xfrm>
-            <a:off x="1248728" y="5280030"/>
+            <a:off x="1254128" y="5285430"/>
             <a:ext cx="12700" cy="12700"/>
           </a:xfrm>
           <a:prstGeom prst="rect">
@@ -7275,8 +7275,8 @@
         </p:nvSpPr>
         <p:spPr>
           <a:xfrm>
-            <a:off x="1134428" y="3898212"/>
-            <a:ext cx="126000" cy="126000"/>
+            <a:off x="1139828" y="3903612"/>
+            <a:ext cx="115200" cy="115200"/>
           </a:xfrm>
           <a:prstGeom prst="ellipse">
             <a:avLst/>
@@ -7315,7 +7315,7 @@
         </p:nvSpPr>
         <p:spPr>
           <a:xfrm>
-            <a:off x="1248728" y="3898212"/>
+            <a:off x="1254128" y="3903612"/>
             <a:ext cx="12700" cy="12700"/>
           </a:xfrm>
           <a:prstGeom prst="rect">
@@ -7346,8 +7346,8 @@
         </p:nvSpPr>
         <p:spPr>
           <a:xfrm>
-            <a:off x="4400142" y="1134575"/>
-            <a:ext cx="126000" cy="126000"/>
+            <a:off x="4405542" y="1139975"/>
+            <a:ext cx="115200" cy="115200"/>
           </a:xfrm>
           <a:prstGeom prst="ellipse">
             <a:avLst/>
@@ -7386,7 +7386,7 @@
         </p:nvSpPr>
         <p:spPr>
           <a:xfrm>
-            <a:off x="4514442" y="1134575"/>
+            <a:off x="4519842" y="1139975"/>
             <a:ext cx="12700" cy="12700"/>
           </a:xfrm>
           <a:prstGeom prst="rect">
@@ -7417,8 +7417,8 @@
         </p:nvSpPr>
         <p:spPr>
           <a:xfrm>
-            <a:off x="2440714" y="5280030"/>
-            <a:ext cx="126000" cy="126000"/>
+            <a:off x="2446114" y="5285430"/>
+            <a:ext cx="115200" cy="115200"/>
           </a:xfrm>
           <a:prstGeom prst="ellipse">
             <a:avLst/>
@@ -7457,7 +7457,7 @@
         </p:nvSpPr>
         <p:spPr>
           <a:xfrm>
-            <a:off x="2555014" y="5280030"/>
+            <a:off x="2560414" y="5285430"/>
             <a:ext cx="12700" cy="12700"/>
           </a:xfrm>
           <a:prstGeom prst="rect">
@@ -7488,8 +7488,8 @@
         </p:nvSpPr>
         <p:spPr>
           <a:xfrm>
-            <a:off x="1025571" y="443666"/>
-            <a:ext cx="126000" cy="126000"/>
+            <a:off x="1030971" y="449066"/>
+            <a:ext cx="115200" cy="115200"/>
           </a:xfrm>
           <a:prstGeom prst="ellipse">
             <a:avLst/>
@@ -7528,7 +7528,7 @@
         </p:nvSpPr>
         <p:spPr>
           <a:xfrm>
-            <a:off x="1139871" y="443666"/>
+            <a:off x="1145271" y="449066"/>
             <a:ext cx="12700" cy="12700"/>
           </a:xfrm>
           <a:prstGeom prst="rect">
@@ -7559,8 +7559,8 @@
         </p:nvSpPr>
         <p:spPr>
           <a:xfrm>
-            <a:off x="2767285" y="5970939"/>
-            <a:ext cx="126000" cy="126000"/>
+            <a:off x="2772685" y="5976339"/>
+            <a:ext cx="115200" cy="115200"/>
           </a:xfrm>
           <a:prstGeom prst="ellipse">
             <a:avLst/>
@@ -7599,7 +7599,7 @@
         </p:nvSpPr>
         <p:spPr>
           <a:xfrm>
-            <a:off x="2881585" y="5970939"/>
+            <a:off x="2886985" y="5976339"/>
             <a:ext cx="12700" cy="12700"/>
           </a:xfrm>
           <a:prstGeom prst="rect">
@@ -7630,8 +7630,8 @@
         </p:nvSpPr>
         <p:spPr>
           <a:xfrm>
-            <a:off x="4726714" y="1134575"/>
-            <a:ext cx="126000" cy="126000"/>
+            <a:off x="4732114" y="1139975"/>
+            <a:ext cx="115200" cy="115200"/>
           </a:xfrm>
           <a:prstGeom prst="ellipse">
             <a:avLst/>
@@ -7670,7 +7670,7 @@
         </p:nvSpPr>
         <p:spPr>
           <a:xfrm>
-            <a:off x="4841014" y="1134575"/>
+            <a:off x="4846414" y="1139975"/>
             <a:ext cx="12700" cy="12700"/>
           </a:xfrm>
           <a:prstGeom prst="rect">
@@ -7701,8 +7701,8 @@
         </p:nvSpPr>
         <p:spPr>
           <a:xfrm>
-            <a:off x="1460999" y="789121"/>
-            <a:ext cx="126000" cy="126000"/>
+            <a:off x="1466399" y="794521"/>
+            <a:ext cx="115200" cy="115200"/>
           </a:xfrm>
           <a:prstGeom prst="ellipse">
             <a:avLst/>
@@ -7741,7 +7741,7 @@
         </p:nvSpPr>
         <p:spPr>
           <a:xfrm>
-            <a:off x="1575299" y="789121"/>
+            <a:off x="1580699" y="794521"/>
             <a:ext cx="12700" cy="12700"/>
           </a:xfrm>
           <a:prstGeom prst="rect">
@@ -7772,8 +7772,8 @@
         </p:nvSpPr>
         <p:spPr>
           <a:xfrm>
-            <a:off x="4400142" y="3898212"/>
-            <a:ext cx="126000" cy="126000"/>
+            <a:off x="4405542" y="3903612"/>
+            <a:ext cx="115200" cy="115200"/>
           </a:xfrm>
           <a:prstGeom prst="ellipse">
             <a:avLst/>
@@ -7812,7 +7812,7 @@
         </p:nvSpPr>
         <p:spPr>
           <a:xfrm>
-            <a:off x="4514442" y="3898212"/>
+            <a:off x="4519842" y="3903612"/>
             <a:ext cx="12700" cy="12700"/>
           </a:xfrm>
           <a:prstGeom prst="rect">
@@ -7843,8 +7843,8 @@
         </p:nvSpPr>
         <p:spPr>
           <a:xfrm>
-            <a:off x="6032999" y="2170939"/>
-            <a:ext cx="126000" cy="126000"/>
+            <a:off x="6038399" y="2176339"/>
+            <a:ext cx="115200" cy="115200"/>
           </a:xfrm>
           <a:prstGeom prst="ellipse">
             <a:avLst/>
@@ -7883,7 +7883,7 @@
         </p:nvSpPr>
         <p:spPr>
           <a:xfrm>
-            <a:off x="6147299" y="2170939"/>
+            <a:off x="6152699" y="2176339"/>
             <a:ext cx="12700" cy="12700"/>
           </a:xfrm>
           <a:prstGeom prst="rect">
@@ -7914,8 +7914,8 @@
         </p:nvSpPr>
         <p:spPr>
           <a:xfrm>
-            <a:off x="1787571" y="2170939"/>
-            <a:ext cx="126000" cy="126000"/>
+            <a:off x="1792971" y="2176339"/>
+            <a:ext cx="115200" cy="115200"/>
           </a:xfrm>
           <a:prstGeom prst="ellipse">
             <a:avLst/>
@@ -7954,7 +7954,7 @@
         </p:nvSpPr>
         <p:spPr>
           <a:xfrm>
-            <a:off x="1901871" y="2170939"/>
+            <a:off x="1907271" y="2176339"/>
             <a:ext cx="12700" cy="12700"/>
           </a:xfrm>
           <a:prstGeom prst="rect">
@@ -7985,8 +7985,8 @@
         </p:nvSpPr>
         <p:spPr>
           <a:xfrm>
-            <a:off x="5053285" y="3898212"/>
-            <a:ext cx="126000" cy="126000"/>
+            <a:off x="5058685" y="3903612"/>
+            <a:ext cx="115200" cy="115200"/>
           </a:xfrm>
           <a:prstGeom prst="ellipse">
             <a:avLst/>
@@ -8025,7 +8025,7 @@
         </p:nvSpPr>
         <p:spPr>
           <a:xfrm>
-            <a:off x="5167585" y="3898212"/>
+            <a:off x="5172985" y="3903612"/>
             <a:ext cx="12700" cy="12700"/>
           </a:xfrm>
           <a:prstGeom prst="rect">
@@ -8056,8 +8056,8 @@
         </p:nvSpPr>
         <p:spPr>
           <a:xfrm>
-            <a:off x="2767285" y="5280030"/>
-            <a:ext cx="126000" cy="126000"/>
+            <a:off x="2772685" y="5285430"/>
+            <a:ext cx="115200" cy="115200"/>
           </a:xfrm>
           <a:prstGeom prst="ellipse">
             <a:avLst/>
@@ -8096,7 +8096,7 @@
         </p:nvSpPr>
         <p:spPr>
           <a:xfrm>
-            <a:off x="2881585" y="5280030"/>
+            <a:off x="2886985" y="5285430"/>
             <a:ext cx="12700" cy="12700"/>
           </a:xfrm>
           <a:prstGeom prst="rect">
@@ -8127,8 +8127,8 @@
         </p:nvSpPr>
         <p:spPr>
           <a:xfrm>
-            <a:off x="764314" y="604878"/>
-            <a:ext cx="126000" cy="126000"/>
+            <a:off x="769714" y="610278"/>
+            <a:ext cx="115200" cy="115200"/>
           </a:xfrm>
           <a:prstGeom prst="ellipse">
             <a:avLst/>
@@ -8167,7 +8167,7 @@
         </p:nvSpPr>
         <p:spPr>
           <a:xfrm>
-            <a:off x="878614" y="604878"/>
+            <a:off x="884014" y="610278"/>
             <a:ext cx="12700" cy="12700"/>
           </a:xfrm>
           <a:prstGeom prst="rect">
